--- a/format_encodings/documents/Conversion between Bases.pptx
+++ b/format_encodings/documents/Conversion between Bases.pptx
@@ -814,7 +814,7 @@
   <p:cSld>
     <p:spTree>
       <p:nvGrpSpPr>
-        <p:cNvPr id="157" name="Shape 157"/>
+        <p:cNvPr id="158" name="Shape 158"/>
         <p:cNvGrpSpPr/>
         <p:nvPr/>
       </p:nvGrpSpPr>
@@ -828,7 +828,7 @@
       </p:grpSpPr>
       <p:sp>
         <p:nvSpPr>
-          <p:cNvPr id="158" name="Google Shape;158;gf1bcb9d487_0_996:notes"/>
+          <p:cNvPr id="159" name="Google Shape;159;gf1bcb9d487_0_996:notes"/>
           <p:cNvSpPr/>
           <p:nvPr>
             <p:ph idx="2" type="sldImg"/>
@@ -863,7 +863,7 @@
       </p:sp>
       <p:sp>
         <p:nvSpPr>
-          <p:cNvPr id="159" name="Google Shape;159;gf1bcb9d487_0_996:notes"/>
+          <p:cNvPr id="160" name="Google Shape;160;gf1bcb9d487_0_996:notes"/>
           <p:cNvSpPr txBox="1"/>
           <p:nvPr>
             <p:ph idx="1" type="body"/>
@@ -913,7 +913,7 @@
   <p:cSld>
     <p:spTree>
       <p:nvGrpSpPr>
-        <p:cNvPr id="168" name="Shape 168"/>
+        <p:cNvPr id="170" name="Shape 170"/>
         <p:cNvGrpSpPr/>
         <p:nvPr/>
       </p:nvGrpSpPr>
@@ -927,7 +927,7 @@
       </p:grpSpPr>
       <p:sp>
         <p:nvSpPr>
-          <p:cNvPr id="169" name="Google Shape;169;g10efea0b76a_0_0:notes"/>
+          <p:cNvPr id="171" name="Google Shape;171;g10efea0b76a_0_0:notes"/>
           <p:cNvSpPr/>
           <p:nvPr>
             <p:ph idx="2" type="sldImg"/>
@@ -962,7 +962,7 @@
       </p:sp>
       <p:sp>
         <p:nvSpPr>
-          <p:cNvPr id="170" name="Google Shape;170;g10efea0b76a_0_0:notes"/>
+          <p:cNvPr id="172" name="Google Shape;172;g10efea0b76a_0_0:notes"/>
           <p:cNvSpPr txBox="1"/>
           <p:nvPr>
             <p:ph idx="1" type="body"/>
@@ -1012,7 +1012,7 @@
   <p:cSld>
     <p:spTree>
       <p:nvGrpSpPr>
-        <p:cNvPr id="179" name="Shape 179"/>
+        <p:cNvPr id="181" name="Shape 181"/>
         <p:cNvGrpSpPr/>
         <p:nvPr/>
       </p:nvGrpSpPr>
@@ -1026,7 +1026,7 @@
       </p:grpSpPr>
       <p:sp>
         <p:nvSpPr>
-          <p:cNvPr id="180" name="Google Shape;180;g10efea0b76a_0_9:notes"/>
+          <p:cNvPr id="182" name="Google Shape;182;g10efea0b76a_0_9:notes"/>
           <p:cNvSpPr/>
           <p:nvPr>
             <p:ph idx="2" type="sldImg"/>
@@ -1061,7 +1061,7 @@
       </p:sp>
       <p:sp>
         <p:nvSpPr>
-          <p:cNvPr id="181" name="Google Shape;181;g10efea0b76a_0_9:notes"/>
+          <p:cNvPr id="183" name="Google Shape;183;g10efea0b76a_0_9:notes"/>
           <p:cNvSpPr txBox="1"/>
           <p:nvPr>
             <p:ph idx="1" type="body"/>
@@ -1111,7 +1111,7 @@
   <p:cSld>
     <p:spTree>
       <p:nvGrpSpPr>
-        <p:cNvPr id="189" name="Shape 189"/>
+        <p:cNvPr id="191" name="Shape 191"/>
         <p:cNvGrpSpPr/>
         <p:nvPr/>
       </p:nvGrpSpPr>
@@ -1125,7 +1125,7 @@
       </p:grpSpPr>
       <p:sp>
         <p:nvSpPr>
-          <p:cNvPr id="190" name="Google Shape;190;g10efea0b76a_0_17:notes"/>
+          <p:cNvPr id="192" name="Google Shape;192;g10efea0b76a_0_17:notes"/>
           <p:cNvSpPr/>
           <p:nvPr>
             <p:ph idx="2" type="sldImg"/>
@@ -1160,7 +1160,7 @@
       </p:sp>
       <p:sp>
         <p:nvSpPr>
-          <p:cNvPr id="191" name="Google Shape;191;g10efea0b76a_0_17:notes"/>
+          <p:cNvPr id="193" name="Google Shape;193;g10efea0b76a_0_17:notes"/>
           <p:cNvSpPr txBox="1"/>
           <p:nvPr>
             <p:ph idx="1" type="body"/>
@@ -1210,7 +1210,7 @@
   <p:cSld>
     <p:spTree>
       <p:nvGrpSpPr>
-        <p:cNvPr id="200" name="Shape 200"/>
+        <p:cNvPr id="202" name="Shape 202"/>
         <p:cNvGrpSpPr/>
         <p:nvPr/>
       </p:nvGrpSpPr>
@@ -1224,7 +1224,7 @@
       </p:grpSpPr>
       <p:sp>
         <p:nvSpPr>
-          <p:cNvPr id="201" name="Google Shape;201;g10efea0b76a_0_198:notes"/>
+          <p:cNvPr id="203" name="Google Shape;203;g10efea0b76a_0_198:notes"/>
           <p:cNvSpPr/>
           <p:nvPr>
             <p:ph idx="2" type="sldImg"/>
@@ -1259,7 +1259,7 @@
       </p:sp>
       <p:sp>
         <p:nvSpPr>
-          <p:cNvPr id="202" name="Google Shape;202;g10efea0b76a_0_198:notes"/>
+          <p:cNvPr id="204" name="Google Shape;204;g10efea0b76a_0_198:notes"/>
           <p:cNvSpPr txBox="1"/>
           <p:nvPr>
             <p:ph idx="1" type="body"/>
@@ -1309,7 +1309,7 @@
   <p:cSld>
     <p:spTree>
       <p:nvGrpSpPr>
-        <p:cNvPr id="210" name="Shape 210"/>
+        <p:cNvPr id="212" name="Shape 212"/>
         <p:cNvGrpSpPr/>
         <p:nvPr/>
       </p:nvGrpSpPr>
@@ -1323,7 +1323,7 @@
       </p:grpSpPr>
       <p:sp>
         <p:nvSpPr>
-          <p:cNvPr id="211" name="Google Shape;211;g10efea0b76a_0_207:notes"/>
+          <p:cNvPr id="213" name="Google Shape;213;g10efea0b76a_0_207:notes"/>
           <p:cNvSpPr/>
           <p:nvPr>
             <p:ph idx="2" type="sldImg"/>
@@ -1358,7 +1358,7 @@
       </p:sp>
       <p:sp>
         <p:nvSpPr>
-          <p:cNvPr id="212" name="Google Shape;212;g10efea0b76a_0_207:notes"/>
+          <p:cNvPr id="214" name="Google Shape;214;g10efea0b76a_0_207:notes"/>
           <p:cNvSpPr txBox="1"/>
           <p:nvPr>
             <p:ph idx="1" type="body"/>
@@ -1408,7 +1408,7 @@
   <p:cSld>
     <p:spTree>
       <p:nvGrpSpPr>
-        <p:cNvPr id="221" name="Shape 221"/>
+        <p:cNvPr id="223" name="Shape 223"/>
         <p:cNvGrpSpPr/>
         <p:nvPr/>
       </p:nvGrpSpPr>
@@ -1422,7 +1422,7 @@
       </p:grpSpPr>
       <p:sp>
         <p:nvSpPr>
-          <p:cNvPr id="222" name="Google Shape;222;g10efea0b76a_0_217:notes"/>
+          <p:cNvPr id="224" name="Google Shape;224;g10efea0b76a_0_217:notes"/>
           <p:cNvSpPr/>
           <p:nvPr>
             <p:ph idx="2" type="sldImg"/>
@@ -1457,7 +1457,7 @@
       </p:sp>
       <p:sp>
         <p:nvSpPr>
-          <p:cNvPr id="223" name="Google Shape;223;g10efea0b76a_0_217:notes"/>
+          <p:cNvPr id="225" name="Google Shape;225;g10efea0b76a_0_217:notes"/>
           <p:cNvSpPr txBox="1"/>
           <p:nvPr>
             <p:ph idx="1" type="body"/>
@@ -2200,7 +2200,7 @@
   <p:cSld>
     <p:spTree>
       <p:nvGrpSpPr>
-        <p:cNvPr id="146" name="Shape 146"/>
+        <p:cNvPr id="147" name="Shape 147"/>
         <p:cNvGrpSpPr/>
         <p:nvPr/>
       </p:nvGrpSpPr>
@@ -2214,7 +2214,7 @@
       </p:grpSpPr>
       <p:sp>
         <p:nvSpPr>
-          <p:cNvPr id="147" name="Google Shape;147;gf1bcb9d487_0_988:notes"/>
+          <p:cNvPr id="148" name="Google Shape;148;gf1bcb9d487_0_988:notes"/>
           <p:cNvSpPr/>
           <p:nvPr>
             <p:ph idx="2" type="sldImg"/>
@@ -2249,7 +2249,7 @@
       </p:sp>
       <p:sp>
         <p:nvSpPr>
-          <p:cNvPr id="148" name="Google Shape;148;gf1bcb9d487_0_988:notes"/>
+          <p:cNvPr id="149" name="Google Shape;149;gf1bcb9d487_0_988:notes"/>
           <p:cNvSpPr txBox="1"/>
           <p:nvPr>
             <p:ph idx="1" type="body"/>
@@ -7243,7 +7243,7 @@
             </a:pPr>
             <a:r>
               <a:rPr lang="en" sz="1700"/>
-              <a:t>The concatenation  of the remainders produce the final value</a:t>
+              <a:t>The concatenation of the remainders produce the final value</a:t>
             </a:r>
             <a:endParaRPr sz="1700">
               <a:solidFill>
@@ -7298,7 +7298,7 @@
   <p:cSld>
     <p:spTree>
       <p:nvGrpSpPr>
-        <p:cNvPr id="160" name="Shape 160"/>
+        <p:cNvPr id="161" name="Shape 161"/>
         <p:cNvGrpSpPr/>
         <p:nvPr/>
       </p:nvGrpSpPr>
@@ -7312,7 +7312,7 @@
       </p:grpSpPr>
       <p:sp>
         <p:nvSpPr>
-          <p:cNvPr id="161" name="Google Shape;161;p22"/>
+          <p:cNvPr id="162" name="Google Shape;162;p22"/>
           <p:cNvSpPr txBox="1"/>
           <p:nvPr>
             <p:ph idx="1" type="body"/>
@@ -7464,7 +7464,7 @@
       </p:sp>
       <p:sp>
         <p:nvSpPr>
-          <p:cNvPr id="162" name="Google Shape;162;p22"/>
+          <p:cNvPr id="163" name="Google Shape;163;p22"/>
           <p:cNvSpPr txBox="1"/>
           <p:nvPr>
             <p:ph type="title"/>
@@ -7496,7 +7496,7 @@
             </a:pPr>
             <a:r>
               <a:rPr lang="en"/>
-              <a:t>Example:  39.234    								    Both Parts</a:t>
+              <a:t>Example:  - 39.234    								    Both Parts</a:t>
             </a:r>
             <a:endParaRPr/>
           </a:p>
@@ -7504,7 +7504,7 @@
       </p:sp>
       <p:sp>
         <p:nvSpPr>
-          <p:cNvPr id="163" name="Google Shape;163;p22"/>
+          <p:cNvPr id="164" name="Google Shape;164;p22"/>
           <p:cNvSpPr txBox="1"/>
           <p:nvPr/>
         </p:nvSpPr>
@@ -7556,7 +7556,7 @@
       </p:sp>
       <p:sp>
         <p:nvSpPr>
-          <p:cNvPr id="164" name="Google Shape;164;p22"/>
+          <p:cNvPr id="165" name="Google Shape;165;p22"/>
           <p:cNvSpPr txBox="1"/>
           <p:nvPr/>
         </p:nvSpPr>
@@ -7613,7 +7613,7 @@
       </p:sp>
       <p:sp>
         <p:nvSpPr>
-          <p:cNvPr id="165" name="Google Shape;165;p22"/>
+          <p:cNvPr id="166" name="Google Shape;166;p22"/>
           <p:cNvSpPr txBox="1"/>
           <p:nvPr/>
         </p:nvSpPr>
@@ -7661,7 +7661,7 @@
       </p:sp>
       <p:sp>
         <p:nvSpPr>
-          <p:cNvPr id="166" name="Google Shape;166;p22"/>
+          <p:cNvPr id="167" name="Google Shape;167;p22"/>
           <p:cNvSpPr txBox="1"/>
           <p:nvPr>
             <p:ph idx="2" type="body"/>
@@ -7935,7 +7935,7 @@
       </p:sp>
       <p:sp>
         <p:nvSpPr>
-          <p:cNvPr id="167" name="Google Shape;167;p22"/>
+          <p:cNvPr id="168" name="Google Shape;168;p22"/>
           <p:cNvSpPr txBox="1"/>
           <p:nvPr>
             <p:ph idx="1" type="body"/>
@@ -8106,6 +8106,54 @@
           </a:p>
         </p:txBody>
       </p:sp>
+      <p:sp>
+        <p:nvSpPr>
+          <p:cNvPr id="169" name="Google Shape;169;p22"/>
+          <p:cNvSpPr txBox="1"/>
+          <p:nvPr/>
+        </p:nvSpPr>
+        <p:spPr>
+          <a:xfrm>
+            <a:off x="820375" y="4345200"/>
+            <a:ext cx="387600" cy="400200"/>
+          </a:xfrm>
+          <a:prstGeom prst="rect">
+            <a:avLst/>
+          </a:prstGeom>
+          <a:noFill/>
+          <a:ln cap="flat" cmpd="sng" w="9525">
+            <a:solidFill>
+              <a:srgbClr val="000000"/>
+            </a:solidFill>
+            <a:prstDash val="solid"/>
+            <a:round/>
+            <a:headEnd len="sm" w="sm" type="none"/>
+            <a:tailEnd len="sm" w="sm" type="none"/>
+          </a:ln>
+        </p:spPr>
+        <p:txBody>
+          <a:bodyPr anchorCtr="0" anchor="b" bIns="91425" lIns="91425" spcFirstLastPara="1" rIns="91425" wrap="square" tIns="91425">
+            <a:spAutoFit/>
+          </a:bodyPr>
+          <a:lstStyle/>
+          <a:p>
+            <a:pPr indent="0" lvl="0" marL="0" rtl="0" algn="r">
+              <a:spcBef>
+                <a:spcPts val="0"/>
+              </a:spcBef>
+              <a:spcAft>
+                <a:spcPts val="0"/>
+              </a:spcAft>
+              <a:buNone/>
+            </a:pPr>
+            <a:r>
+              <a:rPr lang="en"/>
+              <a:t>-</a:t>
+            </a:r>
+            <a:endParaRPr/>
+          </a:p>
+        </p:txBody>
+      </p:sp>
     </p:spTree>
   </p:cSld>
   <p:clrMapOvr>
@@ -8119,7 +8167,7 @@
   <p:cSld>
     <p:spTree>
       <p:nvGrpSpPr>
-        <p:cNvPr id="171" name="Shape 171"/>
+        <p:cNvPr id="173" name="Shape 173"/>
         <p:cNvGrpSpPr/>
         <p:nvPr/>
       </p:nvGrpSpPr>
@@ -8133,7 +8181,7 @@
       </p:grpSpPr>
       <p:sp>
         <p:nvSpPr>
-          <p:cNvPr id="172" name="Google Shape;172;p23"/>
+          <p:cNvPr id="174" name="Google Shape;174;p23"/>
           <p:cNvSpPr txBox="1"/>
           <p:nvPr>
             <p:ph idx="1" type="body"/>
@@ -8285,7 +8333,7 @@
       </p:sp>
       <p:sp>
         <p:nvSpPr>
-          <p:cNvPr id="173" name="Google Shape;173;p23"/>
+          <p:cNvPr id="175" name="Google Shape;175;p23"/>
           <p:cNvSpPr txBox="1"/>
           <p:nvPr>
             <p:ph type="title"/>
@@ -8325,7 +8373,7 @@
       </p:sp>
       <p:sp>
         <p:nvSpPr>
-          <p:cNvPr id="174" name="Google Shape;174;p23"/>
+          <p:cNvPr id="176" name="Google Shape;176;p23"/>
           <p:cNvSpPr txBox="1"/>
           <p:nvPr>
             <p:ph idx="2" type="body"/>
@@ -8463,7 +8511,7 @@
       </p:sp>
       <p:sp>
         <p:nvSpPr>
-          <p:cNvPr id="175" name="Google Shape;175;p23"/>
+          <p:cNvPr id="177" name="Google Shape;177;p23"/>
           <p:cNvSpPr txBox="1"/>
           <p:nvPr/>
         </p:nvSpPr>
@@ -8511,7 +8559,7 @@
       </p:sp>
       <p:sp>
         <p:nvSpPr>
-          <p:cNvPr id="176" name="Google Shape;176;p23"/>
+          <p:cNvPr id="178" name="Google Shape;178;p23"/>
           <p:cNvSpPr txBox="1"/>
           <p:nvPr>
             <p:ph idx="1" type="body"/>
@@ -8684,7 +8732,7 @@
       </p:sp>
       <p:sp>
         <p:nvSpPr>
-          <p:cNvPr id="177" name="Google Shape;177;p23"/>
+          <p:cNvPr id="179" name="Google Shape;179;p23"/>
           <p:cNvSpPr txBox="1"/>
           <p:nvPr/>
         </p:nvSpPr>
@@ -8736,7 +8784,7 @@
       </p:sp>
       <p:sp>
         <p:nvSpPr>
-          <p:cNvPr id="178" name="Google Shape;178;p23"/>
+          <p:cNvPr id="180" name="Google Shape;180;p23"/>
           <p:cNvSpPr txBox="1"/>
           <p:nvPr/>
         </p:nvSpPr>
@@ -8795,7 +8843,7 @@
   <p:cSld>
     <p:spTree>
       <p:nvGrpSpPr>
-        <p:cNvPr id="182" name="Shape 182"/>
+        <p:cNvPr id="184" name="Shape 184"/>
         <p:cNvGrpSpPr/>
         <p:nvPr/>
       </p:nvGrpSpPr>
@@ -8809,7 +8857,7 @@
       </p:grpSpPr>
       <p:sp>
         <p:nvSpPr>
-          <p:cNvPr id="183" name="Google Shape;183;p24"/>
+          <p:cNvPr id="185" name="Google Shape;185;p24"/>
           <p:cNvSpPr txBox="1"/>
           <p:nvPr>
             <p:ph idx="1" type="body"/>
@@ -8961,7 +9009,7 @@
       </p:sp>
       <p:sp>
         <p:nvSpPr>
-          <p:cNvPr id="184" name="Google Shape;184;p24"/>
+          <p:cNvPr id="186" name="Google Shape;186;p24"/>
           <p:cNvSpPr txBox="1"/>
           <p:nvPr>
             <p:ph type="title"/>
@@ -9001,7 +9049,7 @@
       </p:sp>
       <p:sp>
         <p:nvSpPr>
-          <p:cNvPr id="185" name="Google Shape;185;p24"/>
+          <p:cNvPr id="187" name="Google Shape;187;p24"/>
           <p:cNvSpPr txBox="1"/>
           <p:nvPr>
             <p:ph idx="2" type="body"/>
@@ -9106,7 +9154,7 @@
       </p:sp>
       <p:sp>
         <p:nvSpPr>
-          <p:cNvPr id="186" name="Google Shape;186;p24"/>
+          <p:cNvPr id="188" name="Google Shape;188;p24"/>
           <p:cNvSpPr txBox="1"/>
           <p:nvPr>
             <p:ph idx="2" type="body"/>
@@ -9380,7 +9428,7 @@
       </p:sp>
       <p:sp>
         <p:nvSpPr>
-          <p:cNvPr id="187" name="Google Shape;187;p24"/>
+          <p:cNvPr id="189" name="Google Shape;189;p24"/>
           <p:cNvSpPr txBox="1"/>
           <p:nvPr/>
         </p:nvSpPr>
@@ -9437,7 +9485,7 @@
       </p:sp>
       <p:sp>
         <p:nvSpPr>
-          <p:cNvPr id="188" name="Google Shape;188;p24"/>
+          <p:cNvPr id="190" name="Google Shape;190;p24"/>
           <p:cNvSpPr txBox="1"/>
           <p:nvPr/>
         </p:nvSpPr>
@@ -9496,7 +9544,7 @@
   <p:cSld>
     <p:spTree>
       <p:nvGrpSpPr>
-        <p:cNvPr id="192" name="Shape 192"/>
+        <p:cNvPr id="194" name="Shape 194"/>
         <p:cNvGrpSpPr/>
         <p:nvPr/>
       </p:nvGrpSpPr>
@@ -9510,7 +9558,7 @@
       </p:grpSpPr>
       <p:sp>
         <p:nvSpPr>
-          <p:cNvPr id="193" name="Google Shape;193;p25"/>
+          <p:cNvPr id="195" name="Google Shape;195;p25"/>
           <p:cNvSpPr txBox="1"/>
           <p:nvPr>
             <p:ph idx="1" type="body"/>
@@ -9662,7 +9710,7 @@
       </p:sp>
       <p:sp>
         <p:nvSpPr>
-          <p:cNvPr id="194" name="Google Shape;194;p25"/>
+          <p:cNvPr id="196" name="Google Shape;196;p25"/>
           <p:cNvSpPr txBox="1"/>
           <p:nvPr>
             <p:ph type="title"/>
@@ -9702,7 +9750,7 @@
       </p:sp>
       <p:sp>
         <p:nvSpPr>
-          <p:cNvPr id="195" name="Google Shape;195;p25"/>
+          <p:cNvPr id="197" name="Google Shape;197;p25"/>
           <p:cNvSpPr txBox="1"/>
           <p:nvPr>
             <p:ph idx="2" type="body"/>
@@ -9958,7 +10006,7 @@
       </p:sp>
       <p:sp>
         <p:nvSpPr>
-          <p:cNvPr id="196" name="Google Shape;196;p25"/>
+          <p:cNvPr id="198" name="Google Shape;198;p25"/>
           <p:cNvSpPr txBox="1"/>
           <p:nvPr>
             <p:ph idx="1" type="body"/>
@@ -10131,7 +10179,7 @@
       </p:sp>
       <p:sp>
         <p:nvSpPr>
-          <p:cNvPr id="197" name="Google Shape;197;p25"/>
+          <p:cNvPr id="199" name="Google Shape;199;p25"/>
           <p:cNvSpPr txBox="1"/>
           <p:nvPr/>
         </p:nvSpPr>
@@ -10188,7 +10236,7 @@
       </p:sp>
       <p:sp>
         <p:nvSpPr>
-          <p:cNvPr id="198" name="Google Shape;198;p25"/>
+          <p:cNvPr id="200" name="Google Shape;200;p25"/>
           <p:cNvSpPr txBox="1"/>
           <p:nvPr/>
         </p:nvSpPr>
@@ -10245,7 +10293,7 @@
       </p:sp>
       <p:sp>
         <p:nvSpPr>
-          <p:cNvPr id="199" name="Google Shape;199;p25"/>
+          <p:cNvPr id="201" name="Google Shape;201;p25"/>
           <p:cNvSpPr txBox="1"/>
           <p:nvPr/>
         </p:nvSpPr>
@@ -10304,7 +10352,7 @@
   <p:cSld>
     <p:spTree>
       <p:nvGrpSpPr>
-        <p:cNvPr id="203" name="Shape 203"/>
+        <p:cNvPr id="205" name="Shape 205"/>
         <p:cNvGrpSpPr/>
         <p:nvPr/>
       </p:nvGrpSpPr>
@@ -10318,7 +10366,7 @@
       </p:grpSpPr>
       <p:sp>
         <p:nvSpPr>
-          <p:cNvPr id="204" name="Google Shape;204;p26"/>
+          <p:cNvPr id="206" name="Google Shape;206;p26"/>
           <p:cNvSpPr txBox="1"/>
           <p:nvPr>
             <p:ph idx="1" type="body"/>
@@ -10474,7 +10522,7 @@
       </p:sp>
       <p:sp>
         <p:nvSpPr>
-          <p:cNvPr id="205" name="Google Shape;205;p26"/>
+          <p:cNvPr id="207" name="Google Shape;207;p26"/>
           <p:cNvSpPr txBox="1"/>
           <p:nvPr>
             <p:ph type="title"/>
@@ -10514,7 +10562,7 @@
       </p:sp>
       <p:sp>
         <p:nvSpPr>
-          <p:cNvPr id="206" name="Google Shape;206;p26"/>
+          <p:cNvPr id="208" name="Google Shape;208;p26"/>
           <p:cNvSpPr txBox="1"/>
           <p:nvPr>
             <p:ph idx="2" type="body"/>
@@ -10578,7 +10626,7 @@
       </p:sp>
       <p:sp>
         <p:nvSpPr>
-          <p:cNvPr id="207" name="Google Shape;207;p26"/>
+          <p:cNvPr id="209" name="Google Shape;209;p26"/>
           <p:cNvSpPr txBox="1"/>
           <p:nvPr/>
         </p:nvSpPr>
@@ -10625,7 +10673,7 @@
       </p:sp>
       <p:sp>
         <p:nvSpPr>
-          <p:cNvPr id="208" name="Google Shape;208;p26"/>
+          <p:cNvPr id="210" name="Google Shape;210;p26"/>
           <p:cNvSpPr txBox="1"/>
           <p:nvPr/>
         </p:nvSpPr>
@@ -10672,7 +10720,7 @@
       </p:sp>
       <p:sp>
         <p:nvSpPr>
-          <p:cNvPr id="209" name="Google Shape;209;p26"/>
+          <p:cNvPr id="211" name="Google Shape;211;p26"/>
           <p:cNvSpPr txBox="1"/>
           <p:nvPr>
             <p:ph idx="1" type="body"/>
@@ -10856,7 +10904,7 @@
   <p:cSld>
     <p:spTree>
       <p:nvGrpSpPr>
-        <p:cNvPr id="213" name="Shape 213"/>
+        <p:cNvPr id="215" name="Shape 215"/>
         <p:cNvGrpSpPr/>
         <p:nvPr/>
       </p:nvGrpSpPr>
@@ -10870,7 +10918,7 @@
       </p:grpSpPr>
       <p:sp>
         <p:nvSpPr>
-          <p:cNvPr id="214" name="Google Shape;214;p27"/>
+          <p:cNvPr id="216" name="Google Shape;216;p27"/>
           <p:cNvSpPr txBox="1"/>
           <p:nvPr>
             <p:ph idx="1" type="body"/>
@@ -11022,7 +11070,7 @@
       </p:sp>
       <p:sp>
         <p:nvSpPr>
-          <p:cNvPr id="215" name="Google Shape;215;p27"/>
+          <p:cNvPr id="217" name="Google Shape;217;p27"/>
           <p:cNvSpPr txBox="1"/>
           <p:nvPr>
             <p:ph type="title"/>
@@ -11062,7 +11110,7 @@
       </p:sp>
       <p:sp>
         <p:nvSpPr>
-          <p:cNvPr id="216" name="Google Shape;216;p27"/>
+          <p:cNvPr id="218" name="Google Shape;218;p27"/>
           <p:cNvSpPr txBox="1"/>
           <p:nvPr>
             <p:ph idx="2" type="body"/>
@@ -11130,7 +11178,7 @@
       </p:sp>
       <p:sp>
         <p:nvSpPr>
-          <p:cNvPr id="217" name="Google Shape;217;p27"/>
+          <p:cNvPr id="219" name="Google Shape;219;p27"/>
           <p:cNvSpPr txBox="1"/>
           <p:nvPr/>
         </p:nvSpPr>
@@ -11177,7 +11225,7 @@
       </p:sp>
       <p:sp>
         <p:nvSpPr>
-          <p:cNvPr id="218" name="Google Shape;218;p27"/>
+          <p:cNvPr id="220" name="Google Shape;220;p27"/>
           <p:cNvSpPr txBox="1"/>
           <p:nvPr/>
         </p:nvSpPr>
@@ -11224,7 +11272,7 @@
       </p:sp>
       <p:sp>
         <p:nvSpPr>
-          <p:cNvPr id="219" name="Google Shape;219;p27"/>
+          <p:cNvPr id="221" name="Google Shape;221;p27"/>
           <p:cNvSpPr txBox="1"/>
           <p:nvPr/>
         </p:nvSpPr>
@@ -11270,7 +11318,7 @@
       </p:sp>
       <p:sp>
         <p:nvSpPr>
-          <p:cNvPr id="220" name="Google Shape;220;p27"/>
+          <p:cNvPr id="222" name="Google Shape;222;p27"/>
           <p:cNvSpPr txBox="1"/>
           <p:nvPr>
             <p:ph idx="2" type="body"/>
@@ -11555,7 +11603,7 @@
   <p:cSld>
     <p:spTree>
       <p:nvGrpSpPr>
-        <p:cNvPr id="224" name="Shape 224"/>
+        <p:cNvPr id="226" name="Shape 226"/>
         <p:cNvGrpSpPr/>
         <p:nvPr/>
       </p:nvGrpSpPr>
@@ -11569,7 +11617,7 @@
       </p:grpSpPr>
       <p:sp>
         <p:nvSpPr>
-          <p:cNvPr id="225" name="Google Shape;225;p28"/>
+          <p:cNvPr id="227" name="Google Shape;227;p28"/>
           <p:cNvSpPr txBox="1"/>
           <p:nvPr>
             <p:ph idx="1" type="body"/>
@@ -11721,7 +11769,7 @@
       </p:sp>
       <p:sp>
         <p:nvSpPr>
-          <p:cNvPr id="226" name="Google Shape;226;p28"/>
+          <p:cNvPr id="228" name="Google Shape;228;p28"/>
           <p:cNvSpPr txBox="1"/>
           <p:nvPr>
             <p:ph type="title"/>
@@ -11761,7 +11809,7 @@
       </p:sp>
       <p:sp>
         <p:nvSpPr>
-          <p:cNvPr id="227" name="Google Shape;227;p28"/>
+          <p:cNvPr id="229" name="Google Shape;229;p28"/>
           <p:cNvSpPr txBox="1"/>
           <p:nvPr>
             <p:ph idx="2" type="body"/>
@@ -12017,7 +12065,7 @@
       </p:sp>
       <p:sp>
         <p:nvSpPr>
-          <p:cNvPr id="228" name="Google Shape;228;p28"/>
+          <p:cNvPr id="230" name="Google Shape;230;p28"/>
           <p:cNvSpPr txBox="1"/>
           <p:nvPr/>
         </p:nvSpPr>
@@ -12073,7 +12121,7 @@
       </p:sp>
       <p:sp>
         <p:nvSpPr>
-          <p:cNvPr id="229" name="Google Shape;229;p28"/>
+          <p:cNvPr id="231" name="Google Shape;231;p28"/>
           <p:cNvSpPr txBox="1"/>
           <p:nvPr/>
         </p:nvSpPr>
@@ -12125,7 +12173,7 @@
       </p:sp>
       <p:sp>
         <p:nvSpPr>
-          <p:cNvPr id="230" name="Google Shape;230;p28"/>
+          <p:cNvPr id="232" name="Google Shape;232;p28"/>
           <p:cNvSpPr txBox="1"/>
           <p:nvPr/>
         </p:nvSpPr>
@@ -12177,7 +12225,7 @@
       </p:sp>
       <p:sp>
         <p:nvSpPr>
-          <p:cNvPr id="231" name="Google Shape;231;p28"/>
+          <p:cNvPr id="233" name="Google Shape;233;p28"/>
           <p:cNvSpPr txBox="1"/>
           <p:nvPr>
             <p:ph idx="1" type="body"/>
@@ -12643,7 +12691,7 @@
                   <a:schemeClr val="dk1"/>
                 </a:solidFill>
               </a:rPr>
-              <a:t>5a2</a:t>
+              <a:t>16# 5a2</a:t>
             </a:r>
             <a:endParaRPr sz="1700"/>
           </a:p>
@@ -12657,7 +12705,7 @@
         </p:nvSpPr>
         <p:spPr>
           <a:xfrm>
-            <a:off x="6290850" y="242475"/>
+            <a:off x="6663325" y="276525"/>
             <a:ext cx="1938600" cy="400200"/>
           </a:xfrm>
           <a:prstGeom prst="rect">
@@ -12713,7 +12761,7 @@
             <a:tbl>
               <a:tblPr>
                 <a:noFill/>
-                <a:tableStyleId>{86314A7A-C4F5-4B72-8496-4BA3D4C0E920}</a:tableStyleId>
+                <a:tableStyleId>{D9783DC4-A9D2-433C-85FA-F0FB6AE63859}</a:tableStyleId>
               </a:tblPr>
               <a:tblGrid>
                 <a:gridCol w="350575"/>
@@ -12763,7 +12811,7 @@
                     <a:bodyPr/>
                     <a:lstStyle/>
                     <a:p>
-                      <a:pPr indent="0" lvl="0" marL="0" rtl="0" algn="r">
+                      <a:pPr indent="0" lvl="0" marL="0" rtl="0" algn="l">
                         <a:spcBef>
                           <a:spcPts val="0"/>
                         </a:spcBef>
@@ -12829,7 +12877,7 @@
                     <a:bodyPr/>
                     <a:lstStyle/>
                     <a:p>
-                      <a:pPr indent="0" lvl="0" marL="0" rtl="0" algn="r">
+                      <a:pPr indent="0" lvl="0" marL="0" rtl="0" algn="l">
                         <a:spcBef>
                           <a:spcPts val="0"/>
                         </a:spcBef>
@@ -12895,7 +12943,7 @@
                     <a:bodyPr/>
                     <a:lstStyle/>
                     <a:p>
-                      <a:pPr indent="0" lvl="0" marL="0" rtl="0" algn="ctr">
+                      <a:pPr indent="0" lvl="0" marL="0" rtl="0" algn="l">
                         <a:spcBef>
                           <a:spcPts val="0"/>
                         </a:spcBef>
@@ -13023,7 +13071,7 @@
                     <a:bodyPr/>
                     <a:lstStyle/>
                     <a:p>
-                      <a:pPr indent="0" lvl="0" marL="0" rtl="0" algn="r">
+                      <a:pPr indent="0" lvl="0" marL="0" rtl="0" algn="l">
                         <a:spcBef>
                           <a:spcPts val="0"/>
                         </a:spcBef>
@@ -13143,7 +13191,7 @@
                     <a:bodyPr/>
                     <a:lstStyle/>
                     <a:p>
-                      <a:pPr indent="0" lvl="0" marL="0" rtl="0" algn="r">
+                      <a:pPr indent="0" lvl="0" marL="0" rtl="0" algn="l">
                         <a:spcBef>
                           <a:spcPts val="0"/>
                         </a:spcBef>
@@ -13263,7 +13311,7 @@
                     <a:bodyPr/>
                     <a:lstStyle/>
                     <a:p>
-                      <a:pPr indent="0" lvl="0" marL="0" rtl="0" algn="ctr">
+                      <a:pPr indent="0" lvl="0" marL="0" rtl="0" algn="l">
                         <a:spcBef>
                           <a:spcPts val="0"/>
                         </a:spcBef>
@@ -13445,7 +13493,7 @@
                     <a:bodyPr/>
                     <a:lstStyle/>
                     <a:p>
-                      <a:pPr indent="0" lvl="0" marL="0" rtl="0" algn="r">
+                      <a:pPr indent="0" lvl="0" marL="0" rtl="0" algn="l">
                         <a:spcBef>
                           <a:spcPts val="0"/>
                         </a:spcBef>
@@ -13565,7 +13613,7 @@
                     <a:bodyPr/>
                     <a:lstStyle/>
                     <a:p>
-                      <a:pPr indent="0" lvl="0" marL="0" rtl="0" algn="r">
+                      <a:pPr indent="0" lvl="0" marL="0" rtl="0" algn="l">
                         <a:spcBef>
                           <a:spcPts val="0"/>
                         </a:spcBef>
@@ -13576,7 +13624,7 @@
                       </a:pPr>
                       <a:r>
                         <a:rPr lang="en"/>
-                        <a:t>80</a:t>
+                        <a:t>90</a:t>
                       </a:r>
                       <a:endParaRPr/>
                     </a:p>
@@ -13694,7 +13742,7 @@
                     <a:bodyPr/>
                     <a:lstStyle/>
                     <a:p>
-                      <a:pPr indent="0" lvl="0" marL="0" rtl="0" algn="ctr">
+                      <a:pPr indent="0" lvl="0" marL="0" rtl="0" algn="l">
                         <a:spcBef>
                           <a:spcPts val="0"/>
                         </a:spcBef>
@@ -16591,6 +16639,14 @@
                   <a:schemeClr val="dk1"/>
                 </a:solidFill>
               </a:rPr>
+              <a:t>2# </a:t>
+            </a:r>
+            <a:r>
+              <a:rPr lang="en" sz="1700">
+                <a:solidFill>
+                  <a:schemeClr val="dk1"/>
+                </a:solidFill>
+              </a:rPr>
               <a:t>10110101</a:t>
             </a:r>
             <a:endParaRPr sz="1700"/>
@@ -16661,7 +16717,7 @@
             <a:tbl>
               <a:tblPr>
                 <a:noFill/>
-                <a:tableStyleId>{86314A7A-C4F5-4B72-8496-4BA3D4C0E920}</a:tableStyleId>
+                <a:tableStyleId>{D9783DC4-A9D2-433C-85FA-F0FB6AE63859}</a:tableStyleId>
               </a:tblPr>
               <a:tblGrid>
                 <a:gridCol w="350575"/>
@@ -16721,7 +16777,8 @@
                         <a:buNone/>
                       </a:pPr>
                       <a:r>
-                        <a:t/>
+                        <a:rPr lang="en"/>
+                        <a:t>1</a:t>
                       </a:r>
                       <a:endParaRPr/>
                     </a:p>
@@ -16826,38 +16883,15 @@
                     </a:p>
                   </a:txBody>
                   <a:tcPr marT="91425" marB="91425" marR="91425" marL="91425">
-                    <a:lnB cap="flat" cmpd="sng" w="9525">
-                      <a:solidFill>
-                        <a:srgbClr val="9E9E9E"/>
-                      </a:solidFill>
-                      <a:prstDash val="solid"/>
-                      <a:round/>
-                      <a:headEnd len="sm" w="sm" type="none"/>
-                      <a:tailEnd len="sm" w="sm" type="none"/>
-                    </a:lnB>
-                  </a:tcPr>
-                </a:tc>
-                <a:tc>
-                  <a:txBody>
-                    <a:bodyPr/>
-                    <a:lstStyle/>
-                    <a:p>
-                      <a:pPr indent="0" lvl="0" marL="0" rtl="0" algn="l">
-                        <a:spcBef>
-                          <a:spcPts val="0"/>
-                        </a:spcBef>
-                        <a:spcAft>
-                          <a:spcPts val="0"/>
-                        </a:spcAft>
-                        <a:buNone/>
-                      </a:pPr>
-                      <a:r>
-                        <a:t/>
-                      </a:r>
-                      <a:endParaRPr/>
-                    </a:p>
-                  </a:txBody>
-                  <a:tcPr marT="91425" marB="91425" marR="91425" marL="91425">
+                    <a:lnR cap="flat" cmpd="sng" w="9525">
+                      <a:solidFill>
+                        <a:srgbClr val="9E9E9E"/>
+                      </a:solidFill>
+                      <a:prstDash val="solid"/>
+                      <a:round/>
+                      <a:headEnd len="sm" w="sm" type="none"/>
+                      <a:tailEnd len="sm" w="sm" type="none"/>
+                    </a:lnR>
                     <a:lnB cap="flat" cmpd="sng" w="9525">
                       <a:solidFill>
                         <a:srgbClr val="9E9E9E"/>
@@ -16891,6 +16925,75 @@
                     </a:p>
                   </a:txBody>
                   <a:tcPr marT="91425" marB="91425" marR="91425" marL="91425">
+                    <a:lnL cap="flat" cmpd="sng" w="9525">
+                      <a:solidFill>
+                        <a:srgbClr val="9E9E9E"/>
+                      </a:solidFill>
+                      <a:prstDash val="solid"/>
+                      <a:round/>
+                      <a:headEnd len="sm" w="sm" type="none"/>
+                      <a:tailEnd len="sm" w="sm" type="none"/>
+                    </a:lnL>
+                    <a:lnR cap="flat" cmpd="sng" w="9525">
+                      <a:solidFill>
+                        <a:srgbClr val="9E9E9E"/>
+                      </a:solidFill>
+                      <a:prstDash val="solid"/>
+                      <a:round/>
+                      <a:headEnd len="sm" w="sm" type="none"/>
+                      <a:tailEnd len="sm" w="sm" type="none"/>
+                    </a:lnR>
+                    <a:lnT cap="flat" cmpd="sng" w="9525">
+                      <a:solidFill>
+                        <a:srgbClr val="9E9E9E"/>
+                      </a:solidFill>
+                      <a:prstDash val="solid"/>
+                      <a:round/>
+                      <a:headEnd len="sm" w="sm" type="none"/>
+                      <a:tailEnd len="sm" w="sm" type="none"/>
+                    </a:lnT>
+                    <a:lnB cap="flat" cmpd="sng" w="9525">
+                      <a:solidFill>
+                        <a:srgbClr val="9E9E9E"/>
+                      </a:solidFill>
+                      <a:prstDash val="solid"/>
+                      <a:round/>
+                      <a:headEnd len="sm" w="sm" type="none"/>
+                      <a:tailEnd len="sm" w="sm" type="none"/>
+                    </a:lnB>
+                  </a:tcPr>
+                </a:tc>
+                <a:tc>
+                  <a:txBody>
+                    <a:bodyPr/>
+                    <a:lstStyle/>
+                    <a:p>
+                      <a:pPr indent="0" lvl="0" marL="0" rtl="0" algn="ctr">
+                        <a:spcBef>
+                          <a:spcPts val="0"/>
+                        </a:spcBef>
+                        <a:spcAft>
+                          <a:spcPts val="0"/>
+                        </a:spcAft>
+                        <a:buNone/>
+                      </a:pPr>
+                      <a:r>
+                        <a:rPr lang="en"/>
+                        <a:t>1</a:t>
+                      </a:r>
+                      <a:endParaRPr/>
+                    </a:p>
+                  </a:txBody>
+                  <a:tcPr marT="91425" marB="91425" marR="91425" marL="91425">
+                    <a:lnL cap="flat" cmpd="sng" w="9525">
+                      <a:solidFill>
+                        <a:srgbClr val="9E9E9E"/>
+                      </a:solidFill>
+                      <a:prstDash val="solid"/>
+                      <a:round/>
+                      <a:headEnd len="sm" w="sm" type="none"/>
+                      <a:tailEnd len="sm" w="sm" type="none"/>
+                    </a:lnL>
                     <a:lnB cap="flat" cmpd="sng" w="9525">
                       <a:solidFill>
                         <a:srgbClr val="9E9E9E"/>
@@ -16979,7 +17082,8 @@
                         <a:buNone/>
                       </a:pPr>
                       <a:r>
-                        <a:t/>
+                        <a:rPr lang="en"/>
+                        <a:t>2</a:t>
                       </a:r>
                       <a:endParaRPr/>
                     </a:p>
@@ -17098,7 +17202,8 @@
                         <a:buNone/>
                       </a:pPr>
                       <a:r>
-                        <a:t/>
+                        <a:rPr lang="en"/>
+                        <a:t>1</a:t>
                       </a:r>
                       <a:endParaRPr/>
                     </a:p>
@@ -17207,65 +17312,6 @@
                     <a:bodyPr/>
                     <a:lstStyle/>
                     <a:p>
-                      <a:pPr indent="0" lvl="0" marL="0" rtl="0" algn="l">
-                        <a:spcBef>
-                          <a:spcPts val="0"/>
-                        </a:spcBef>
-                        <a:spcAft>
-                          <a:spcPts val="0"/>
-                        </a:spcAft>
-                        <a:buNone/>
-                      </a:pPr>
-                      <a:r>
-                        <a:t/>
-                      </a:r>
-                      <a:endParaRPr/>
-                    </a:p>
-                  </a:txBody>
-                  <a:tcPr marT="91425" marB="91425" marR="91425" marL="91425">
-                    <a:lnL cap="flat" cmpd="sng" w="9525">
-                      <a:solidFill>
-                        <a:srgbClr val="9E9E9E"/>
-                      </a:solidFill>
-                      <a:prstDash val="solid"/>
-                      <a:round/>
-                      <a:headEnd len="sm" w="sm" type="none"/>
-                      <a:tailEnd len="sm" w="sm" type="none"/>
-                    </a:lnL>
-                    <a:lnR cap="flat" cmpd="sng" w="9525">
-                      <a:solidFill>
-                        <a:srgbClr val="9E9E9E"/>
-                      </a:solidFill>
-                      <a:prstDash val="solid"/>
-                      <a:round/>
-                      <a:headEnd len="sm" w="sm" type="none"/>
-                      <a:tailEnd len="sm" w="sm" type="none"/>
-                    </a:lnR>
-                    <a:lnT cap="flat" cmpd="sng" w="9525">
-                      <a:solidFill>
-                        <a:srgbClr val="9E9E9E"/>
-                      </a:solidFill>
-                      <a:prstDash val="solid"/>
-                      <a:round/>
-                      <a:headEnd len="sm" w="sm" type="none"/>
-                      <a:tailEnd len="sm" w="sm" type="none"/>
-                    </a:lnT>
-                    <a:lnB cap="flat" cmpd="sng" w="9525">
-                      <a:solidFill>
-                        <a:srgbClr val="9E9E9E"/>
-                      </a:solidFill>
-                      <a:prstDash val="solid"/>
-                      <a:round/>
-                      <a:headEnd len="sm" w="sm" type="none"/>
-                      <a:tailEnd len="sm" w="sm" type="none"/>
-                    </a:lnB>
-                  </a:tcPr>
-                </a:tc>
-                <a:tc>
-                  <a:txBody>
-                    <a:bodyPr/>
-                    <a:lstStyle/>
-                    <a:p>
                       <a:pPr indent="0" lvl="0" marL="0" rtl="0" algn="ctr">
                         <a:spcBef>
                           <a:spcPts val="0"/>
@@ -17321,6 +17367,66 @@
                     </a:lnB>
                   </a:tcPr>
                 </a:tc>
+                <a:tc>
+                  <a:txBody>
+                    <a:bodyPr/>
+                    <a:lstStyle/>
+                    <a:p>
+                      <a:pPr indent="0" lvl="0" marL="0" rtl="0" algn="ctr">
+                        <a:spcBef>
+                          <a:spcPts val="0"/>
+                        </a:spcBef>
+                        <a:spcAft>
+                          <a:spcPts val="0"/>
+                        </a:spcAft>
+                        <a:buNone/>
+                      </a:pPr>
+                      <a:r>
+                        <a:rPr lang="en"/>
+                        <a:t>0</a:t>
+                      </a:r>
+                      <a:endParaRPr/>
+                    </a:p>
+                  </a:txBody>
+                  <a:tcPr marT="91425" marB="91425" marR="91425" marL="91425">
+                    <a:lnL cap="flat" cmpd="sng" w="9525">
+                      <a:solidFill>
+                        <a:srgbClr val="9E9E9E"/>
+                      </a:solidFill>
+                      <a:prstDash val="solid"/>
+                      <a:round/>
+                      <a:headEnd len="sm" w="sm" type="none"/>
+                      <a:tailEnd len="sm" w="sm" type="none"/>
+                    </a:lnL>
+                    <a:lnR cap="flat" cmpd="sng" w="9525">
+                      <a:solidFill>
+                        <a:srgbClr val="9E9E9E"/>
+                      </a:solidFill>
+                      <a:prstDash val="solid"/>
+                      <a:round/>
+                      <a:headEnd len="sm" w="sm" type="none"/>
+                      <a:tailEnd len="sm" w="sm" type="none"/>
+                    </a:lnR>
+                    <a:lnT cap="flat" cmpd="sng" w="9525">
+                      <a:solidFill>
+                        <a:srgbClr val="9E9E9E"/>
+                      </a:solidFill>
+                      <a:prstDash val="solid"/>
+                      <a:round/>
+                      <a:headEnd len="sm" w="sm" type="none"/>
+                      <a:tailEnd len="sm" w="sm" type="none"/>
+                    </a:lnT>
+                    <a:lnB cap="flat" cmpd="sng" w="9525">
+                      <a:solidFill>
+                        <a:srgbClr val="9E9E9E"/>
+                      </a:solidFill>
+                      <a:prstDash val="solid"/>
+                      <a:round/>
+                      <a:headEnd len="sm" w="sm" type="none"/>
+                      <a:tailEnd len="sm" w="sm" type="none"/>
+                    </a:lnB>
+                  </a:tcPr>
+                </a:tc>
               </a:tr>
               <a:tr h="381000">
                 <a:tc>
@@ -17398,7 +17504,8 @@
                         <a:buNone/>
                       </a:pPr>
                       <a:r>
-                        <a:t/>
+                        <a:rPr lang="en"/>
+                        <a:t>5</a:t>
                       </a:r>
                       <a:endParaRPr/>
                     </a:p>
@@ -17517,7 +17624,8 @@
                         <a:buNone/>
                       </a:pPr>
                       <a:r>
-                        <a:t/>
+                        <a:rPr lang="en"/>
+                        <a:t>2</a:t>
                       </a:r>
                       <a:endParaRPr/>
                     </a:p>
@@ -17635,65 +17743,6 @@
                     <a:bodyPr/>
                     <a:lstStyle/>
                     <a:p>
-                      <a:pPr indent="0" lvl="0" marL="0" rtl="0" algn="l">
-                        <a:spcBef>
-                          <a:spcPts val="0"/>
-                        </a:spcBef>
-                        <a:spcAft>
-                          <a:spcPts val="0"/>
-                        </a:spcAft>
-                        <a:buNone/>
-                      </a:pPr>
-                      <a:r>
-                        <a:t/>
-                      </a:r>
-                      <a:endParaRPr/>
-                    </a:p>
-                  </a:txBody>
-                  <a:tcPr marT="91425" marB="91425" marR="91425" marL="91425">
-                    <a:lnL cap="flat" cmpd="sng" w="9525">
-                      <a:solidFill>
-                        <a:srgbClr val="9E9E9E"/>
-                      </a:solidFill>
-                      <a:prstDash val="solid"/>
-                      <a:round/>
-                      <a:headEnd len="sm" w="sm" type="none"/>
-                      <a:tailEnd len="sm" w="sm" type="none"/>
-                    </a:lnL>
-                    <a:lnR cap="flat" cmpd="sng" w="9525">
-                      <a:solidFill>
-                        <a:srgbClr val="9E9E9E"/>
-                      </a:solidFill>
-                      <a:prstDash val="solid"/>
-                      <a:round/>
-                      <a:headEnd len="sm" w="sm" type="none"/>
-                      <a:tailEnd len="sm" w="sm" type="none"/>
-                    </a:lnR>
-                    <a:lnT cap="flat" cmpd="sng" w="9525">
-                      <a:solidFill>
-                        <a:srgbClr val="9E9E9E"/>
-                      </a:solidFill>
-                      <a:prstDash val="solid"/>
-                      <a:round/>
-                      <a:headEnd len="sm" w="sm" type="none"/>
-                      <a:tailEnd len="sm" w="sm" type="none"/>
-                    </a:lnT>
-                    <a:lnB cap="flat" cmpd="sng" w="9525">
-                      <a:solidFill>
-                        <a:srgbClr val="9E9E9E"/>
-                      </a:solidFill>
-                      <a:prstDash val="solid"/>
-                      <a:round/>
-                      <a:headEnd len="sm" w="sm" type="none"/>
-                      <a:tailEnd len="sm" w="sm" type="none"/>
-                    </a:lnB>
-                  </a:tcPr>
-                </a:tc>
-                <a:tc>
-                  <a:txBody>
-                    <a:bodyPr/>
-                    <a:lstStyle/>
-                    <a:p>
                       <a:pPr indent="0" lvl="0" marL="0" rtl="0" algn="ctr">
                         <a:spcBef>
                           <a:spcPts val="0"/>
@@ -17749,362 +17798,6 @@
                     </a:lnB>
                   </a:tcPr>
                 </a:tc>
-              </a:tr>
-              <a:tr h="381000">
-                <a:tc>
-                  <a:txBody>
-                    <a:bodyPr/>
-                    <a:lstStyle/>
-                    <a:p>
-                      <a:pPr indent="0" lvl="0" marL="0" rtl="0" algn="l">
-                        <a:spcBef>
-                          <a:spcPts val="0"/>
-                        </a:spcBef>
-                        <a:spcAft>
-                          <a:spcPts val="0"/>
-                        </a:spcAft>
-                        <a:buNone/>
-                      </a:pPr>
-                      <a:r>
-                        <a:t/>
-                      </a:r>
-                      <a:endParaRPr/>
-                    </a:p>
-                  </a:txBody>
-                  <a:tcPr marT="91425" marB="91425" marR="91425" marL="91425">
-                    <a:lnL cap="flat" cmpd="sng" w="9525">
-                      <a:solidFill>
-                        <a:srgbClr val="9E9E9E"/>
-                      </a:solidFill>
-                      <a:prstDash val="solid"/>
-                      <a:round/>
-                      <a:headEnd len="sm" w="sm" type="none"/>
-                      <a:tailEnd len="sm" w="sm" type="none"/>
-                    </a:lnL>
-                    <a:lnR cap="flat" cmpd="sng" w="9525">
-                      <a:solidFill>
-                        <a:srgbClr val="9E9E9E"/>
-                      </a:solidFill>
-                      <a:prstDash val="solid"/>
-                      <a:round/>
-                      <a:headEnd len="sm" w="sm" type="none"/>
-                      <a:tailEnd len="sm" w="sm" type="none"/>
-                    </a:lnR>
-                    <a:lnT cap="flat" cmpd="sng" w="9525">
-                      <a:solidFill>
-                        <a:srgbClr val="9E9E9E"/>
-                      </a:solidFill>
-                      <a:prstDash val="solid"/>
-                      <a:round/>
-                      <a:headEnd len="sm" w="sm" type="none"/>
-                      <a:tailEnd len="sm" w="sm" type="none"/>
-                    </a:lnT>
-                    <a:lnB cap="flat" cmpd="sng" w="9525">
-                      <a:solidFill>
-                        <a:srgbClr val="9E9E9E"/>
-                      </a:solidFill>
-                      <a:prstDash val="solid"/>
-                      <a:round/>
-                      <a:headEnd len="sm" w="sm" type="none"/>
-                      <a:tailEnd len="sm" w="sm" type="none"/>
-                    </a:lnB>
-                  </a:tcPr>
-                </a:tc>
-                <a:tc>
-                  <a:txBody>
-                    <a:bodyPr/>
-                    <a:lstStyle/>
-                    <a:p>
-                      <a:pPr indent="0" lvl="0" marL="0" rtl="0" algn="l">
-                        <a:spcBef>
-                          <a:spcPts val="0"/>
-                        </a:spcBef>
-                        <a:spcAft>
-                          <a:spcPts val="0"/>
-                        </a:spcAft>
-                        <a:buNone/>
-                      </a:pPr>
-                      <a:r>
-                        <a:t/>
-                      </a:r>
-                      <a:endParaRPr/>
-                    </a:p>
-                  </a:txBody>
-                  <a:tcPr marT="91425" marB="91425" marR="91425" marL="91425">
-                    <a:lnL cap="flat" cmpd="sng" w="9525">
-                      <a:solidFill>
-                        <a:srgbClr val="9E9E9E"/>
-                      </a:solidFill>
-                      <a:prstDash val="solid"/>
-                      <a:round/>
-                      <a:headEnd len="sm" w="sm" type="none"/>
-                      <a:tailEnd len="sm" w="sm" type="none"/>
-                    </a:lnL>
-                    <a:lnR cap="flat" cmpd="sng" w="9525">
-                      <a:solidFill>
-                        <a:srgbClr val="9E9E9E"/>
-                      </a:solidFill>
-                      <a:prstDash val="solid"/>
-                      <a:round/>
-                      <a:headEnd len="sm" w="sm" type="none"/>
-                      <a:tailEnd len="sm" w="sm" type="none"/>
-                    </a:lnR>
-                    <a:lnT cap="flat" cmpd="sng" w="9525">
-                      <a:solidFill>
-                        <a:srgbClr val="9E9E9E"/>
-                      </a:solidFill>
-                      <a:prstDash val="solid"/>
-                      <a:round/>
-                      <a:headEnd len="sm" w="sm" type="none"/>
-                      <a:tailEnd len="sm" w="sm" type="none"/>
-                    </a:lnT>
-                    <a:lnB cap="flat" cmpd="sng" w="9525">
-                      <a:solidFill>
-                        <a:srgbClr val="9E9E9E"/>
-                      </a:solidFill>
-                      <a:prstDash val="solid"/>
-                      <a:round/>
-                      <a:headEnd len="sm" w="sm" type="none"/>
-                      <a:tailEnd len="sm" w="sm" type="none"/>
-                    </a:lnB>
-                  </a:tcPr>
-                </a:tc>
-                <a:tc>
-                  <a:txBody>
-                    <a:bodyPr/>
-                    <a:lstStyle/>
-                    <a:p>
-                      <a:pPr indent="0" lvl="0" marL="0" rtl="0" algn="l">
-                        <a:spcBef>
-                          <a:spcPts val="0"/>
-                        </a:spcBef>
-                        <a:spcAft>
-                          <a:spcPts val="0"/>
-                        </a:spcAft>
-                        <a:buNone/>
-                      </a:pPr>
-                      <a:r>
-                        <a:t/>
-                      </a:r>
-                      <a:endParaRPr/>
-                    </a:p>
-                  </a:txBody>
-                  <a:tcPr marT="91425" marB="91425" marR="91425" marL="91425">
-                    <a:lnL cap="flat" cmpd="sng" w="9525">
-                      <a:solidFill>
-                        <a:srgbClr val="9E9E9E"/>
-                      </a:solidFill>
-                      <a:prstDash val="solid"/>
-                      <a:round/>
-                      <a:headEnd len="sm" w="sm" type="none"/>
-                      <a:tailEnd len="sm" w="sm" type="none"/>
-                    </a:lnL>
-                    <a:lnR cap="flat" cmpd="sng" w="9525">
-                      <a:solidFill>
-                        <a:srgbClr val="9E9E9E"/>
-                      </a:solidFill>
-                      <a:prstDash val="solid"/>
-                      <a:round/>
-                      <a:headEnd len="sm" w="sm" type="none"/>
-                      <a:tailEnd len="sm" w="sm" type="none"/>
-                    </a:lnR>
-                    <a:lnT cap="flat" cmpd="sng" w="9525">
-                      <a:solidFill>
-                        <a:srgbClr val="9E9E9E"/>
-                      </a:solidFill>
-                      <a:prstDash val="solid"/>
-                      <a:round/>
-                      <a:headEnd len="sm" w="sm" type="none"/>
-                      <a:tailEnd len="sm" w="sm" type="none"/>
-                    </a:lnT>
-                    <a:lnB cap="flat" cmpd="sng" w="9525">
-                      <a:solidFill>
-                        <a:srgbClr val="9E9E9E"/>
-                      </a:solidFill>
-                      <a:prstDash val="solid"/>
-                      <a:round/>
-                      <a:headEnd len="sm" w="sm" type="none"/>
-                      <a:tailEnd len="sm" w="sm" type="none"/>
-                    </a:lnB>
-                  </a:tcPr>
-                </a:tc>
-                <a:tc>
-                  <a:txBody>
-                    <a:bodyPr/>
-                    <a:lstStyle/>
-                    <a:p>
-                      <a:pPr indent="0" lvl="0" marL="0" rtl="0" algn="l">
-                        <a:spcBef>
-                          <a:spcPts val="0"/>
-                        </a:spcBef>
-                        <a:spcAft>
-                          <a:spcPts val="0"/>
-                        </a:spcAft>
-                        <a:buNone/>
-                      </a:pPr>
-                      <a:r>
-                        <a:t/>
-                      </a:r>
-                      <a:endParaRPr/>
-                    </a:p>
-                  </a:txBody>
-                  <a:tcPr marT="91425" marB="91425" marR="91425" marL="91425">
-                    <a:lnL cap="flat" cmpd="sng" w="9525">
-                      <a:solidFill>
-                        <a:srgbClr val="9E9E9E"/>
-                      </a:solidFill>
-                      <a:prstDash val="solid"/>
-                      <a:round/>
-                      <a:headEnd len="sm" w="sm" type="none"/>
-                      <a:tailEnd len="sm" w="sm" type="none"/>
-                    </a:lnL>
-                    <a:lnR cap="flat" cmpd="sng" w="9525">
-                      <a:solidFill>
-                        <a:srgbClr val="9E9E9E"/>
-                      </a:solidFill>
-                      <a:prstDash val="solid"/>
-                      <a:round/>
-                      <a:headEnd len="sm" w="sm" type="none"/>
-                      <a:tailEnd len="sm" w="sm" type="none"/>
-                    </a:lnR>
-                    <a:lnT cap="flat" cmpd="sng" w="9525">
-                      <a:solidFill>
-                        <a:srgbClr val="9E9E9E"/>
-                      </a:solidFill>
-                      <a:prstDash val="solid"/>
-                      <a:round/>
-                      <a:headEnd len="sm" w="sm" type="none"/>
-                      <a:tailEnd len="sm" w="sm" type="none"/>
-                    </a:lnT>
-                    <a:lnB cap="flat" cmpd="sng" w="9525">
-                      <a:solidFill>
-                        <a:srgbClr val="9E9E9E"/>
-                      </a:solidFill>
-                      <a:prstDash val="solid"/>
-                      <a:round/>
-                      <a:headEnd len="sm" w="sm" type="none"/>
-                      <a:tailEnd len="sm" w="sm" type="none"/>
-                    </a:lnB>
-                  </a:tcPr>
-                </a:tc>
-                <a:tc>
-                  <a:txBody>
-                    <a:bodyPr/>
-                    <a:lstStyle/>
-                    <a:p>
-                      <a:pPr indent="0" lvl="0" marL="0" rtl="0" algn="l">
-                        <a:spcBef>
-                          <a:spcPts val="0"/>
-                        </a:spcBef>
-                        <a:spcAft>
-                          <a:spcPts val="0"/>
-                        </a:spcAft>
-                        <a:buNone/>
-                      </a:pPr>
-                      <a:r>
-                        <a:t/>
-                      </a:r>
-                      <a:endParaRPr/>
-                    </a:p>
-                  </a:txBody>
-                  <a:tcPr marT="91425" marB="91425" marR="91425" marL="91425">
-                    <a:lnL cap="flat" cmpd="sng" w="9525">
-                      <a:solidFill>
-                        <a:srgbClr val="9E9E9E"/>
-                      </a:solidFill>
-                      <a:prstDash val="solid"/>
-                      <a:round/>
-                      <a:headEnd len="sm" w="sm" type="none"/>
-                      <a:tailEnd len="sm" w="sm" type="none"/>
-                    </a:lnL>
-                    <a:lnR cap="flat" cmpd="sng" w="9525">
-                      <a:solidFill>
-                        <a:srgbClr val="9E9E9E"/>
-                      </a:solidFill>
-                      <a:prstDash val="solid"/>
-                      <a:round/>
-                      <a:headEnd len="sm" w="sm" type="none"/>
-                      <a:tailEnd len="sm" w="sm" type="none"/>
-                    </a:lnR>
-                    <a:lnT cap="flat" cmpd="sng" w="9525">
-                      <a:solidFill>
-                        <a:srgbClr val="9E9E9E"/>
-                      </a:solidFill>
-                      <a:prstDash val="solid"/>
-                      <a:round/>
-                      <a:headEnd len="sm" w="sm" type="none"/>
-                      <a:tailEnd len="sm" w="sm" type="none"/>
-                    </a:lnT>
-                    <a:lnB cap="flat" cmpd="sng" w="9525">
-                      <a:solidFill>
-                        <a:srgbClr val="9E9E9E"/>
-                      </a:solidFill>
-                      <a:prstDash val="solid"/>
-                      <a:round/>
-                      <a:headEnd len="sm" w="sm" type="none"/>
-                      <a:tailEnd len="sm" w="sm" type="none"/>
-                    </a:lnB>
-                  </a:tcPr>
-                </a:tc>
-                <a:tc>
-                  <a:txBody>
-                    <a:bodyPr/>
-                    <a:lstStyle/>
-                    <a:p>
-                      <a:pPr indent="0" lvl="0" marL="0" rtl="0" algn="l">
-                        <a:spcBef>
-                          <a:spcPts val="0"/>
-                        </a:spcBef>
-                        <a:spcAft>
-                          <a:spcPts val="0"/>
-                        </a:spcAft>
-                        <a:buNone/>
-                      </a:pPr>
-                      <a:r>
-                        <a:t/>
-                      </a:r>
-                      <a:endParaRPr/>
-                    </a:p>
-                  </a:txBody>
-                  <a:tcPr marT="91425" marB="91425" marR="91425" marL="91425">
-                    <a:lnL cap="flat" cmpd="sng" w="9525">
-                      <a:solidFill>
-                        <a:srgbClr val="9E9E9E"/>
-                      </a:solidFill>
-                      <a:prstDash val="solid"/>
-                      <a:round/>
-                      <a:headEnd len="sm" w="sm" type="none"/>
-                      <a:tailEnd len="sm" w="sm" type="none"/>
-                    </a:lnL>
-                    <a:lnR cap="flat" cmpd="sng" w="9525">
-                      <a:solidFill>
-                        <a:srgbClr val="9E9E9E"/>
-                      </a:solidFill>
-                      <a:prstDash val="solid"/>
-                      <a:round/>
-                      <a:headEnd len="sm" w="sm" type="none"/>
-                      <a:tailEnd len="sm" w="sm" type="none"/>
-                    </a:lnR>
-                    <a:lnT cap="flat" cmpd="sng" w="9525">
-                      <a:solidFill>
-                        <a:srgbClr val="9E9E9E"/>
-                      </a:solidFill>
-                      <a:prstDash val="solid"/>
-                      <a:round/>
-                      <a:headEnd len="sm" w="sm" type="none"/>
-                      <a:tailEnd len="sm" w="sm" type="none"/>
-                    </a:lnT>
-                    <a:lnB cap="flat" cmpd="sng" w="9525">
-                      <a:solidFill>
-                        <a:srgbClr val="9E9E9E"/>
-                      </a:solidFill>
-                      <a:prstDash val="solid"/>
-                      <a:round/>
-                      <a:headEnd len="sm" w="sm" type="none"/>
-                      <a:tailEnd len="sm" w="sm" type="none"/>
-                    </a:lnB>
-                  </a:tcPr>
-                </a:tc>
                 <a:tc>
                   <a:txBody>
                     <a:bodyPr/>
@@ -18241,7 +17934,8 @@
                         <a:buNone/>
                       </a:pPr>
                       <a:r>
-                        <a:t/>
+                        <a:rPr lang="en"/>
+                        <a:t>11</a:t>
                       </a:r>
                       <a:endParaRPr/>
                     </a:p>
@@ -18285,6 +17979,308 @@
                     </a:lnB>
                   </a:tcPr>
                 </a:tc>
+                <a:tc>
+                  <a:txBody>
+                    <a:bodyPr/>
+                    <a:lstStyle/>
+                    <a:p>
+                      <a:pPr indent="0" lvl="0" marL="0" rtl="0" algn="ctr">
+                        <a:spcBef>
+                          <a:spcPts val="0"/>
+                        </a:spcBef>
+                        <a:spcAft>
+                          <a:spcPts val="0"/>
+                        </a:spcAft>
+                        <a:buNone/>
+                      </a:pPr>
+                      <a:r>
+                        <a:rPr lang="en"/>
+                        <a:t>=</a:t>
+                      </a:r>
+                      <a:endParaRPr/>
+                    </a:p>
+                  </a:txBody>
+                  <a:tcPr marT="91425" marB="91425" marR="91425" marL="91425">
+                    <a:lnL cap="flat" cmpd="sng" w="9525">
+                      <a:solidFill>
+                        <a:srgbClr val="9E9E9E"/>
+                      </a:solidFill>
+                      <a:prstDash val="solid"/>
+                      <a:round/>
+                      <a:headEnd len="sm" w="sm" type="none"/>
+                      <a:tailEnd len="sm" w="sm" type="none"/>
+                    </a:lnL>
+                    <a:lnR cap="flat" cmpd="sng" w="9525">
+                      <a:solidFill>
+                        <a:srgbClr val="9E9E9E"/>
+                      </a:solidFill>
+                      <a:prstDash val="solid"/>
+                      <a:round/>
+                      <a:headEnd len="sm" w="sm" type="none"/>
+                      <a:tailEnd len="sm" w="sm" type="none"/>
+                    </a:lnR>
+                    <a:lnT cap="flat" cmpd="sng" w="9525">
+                      <a:solidFill>
+                        <a:srgbClr val="9E9E9E"/>
+                      </a:solidFill>
+                      <a:prstDash val="solid"/>
+                      <a:round/>
+                      <a:headEnd len="sm" w="sm" type="none"/>
+                      <a:tailEnd len="sm" w="sm" type="none"/>
+                    </a:lnT>
+                    <a:lnB cap="flat" cmpd="sng" w="9525">
+                      <a:solidFill>
+                        <a:srgbClr val="9E9E9E"/>
+                      </a:solidFill>
+                      <a:prstDash val="solid"/>
+                      <a:round/>
+                      <a:headEnd len="sm" w="sm" type="none"/>
+                      <a:tailEnd len="sm" w="sm" type="none"/>
+                    </a:lnB>
+                  </a:tcPr>
+                </a:tc>
+                <a:tc>
+                  <a:txBody>
+                    <a:bodyPr/>
+                    <a:lstStyle/>
+                    <a:p>
+                      <a:pPr indent="0" lvl="0" marL="0" rtl="0" algn="l">
+                        <a:spcBef>
+                          <a:spcPts val="0"/>
+                        </a:spcBef>
+                        <a:spcAft>
+                          <a:spcPts val="0"/>
+                        </a:spcAft>
+                        <a:buNone/>
+                      </a:pPr>
+                      <a:r>
+                        <a:rPr lang="en"/>
+                        <a:t>5</a:t>
+                      </a:r>
+                      <a:endParaRPr/>
+                    </a:p>
+                  </a:txBody>
+                  <a:tcPr marT="91425" marB="91425" marR="91425" marL="91425">
+                    <a:lnL cap="flat" cmpd="sng" w="9525">
+                      <a:solidFill>
+                        <a:srgbClr val="9E9E9E"/>
+                      </a:solidFill>
+                      <a:prstDash val="solid"/>
+                      <a:round/>
+                      <a:headEnd len="sm" w="sm" type="none"/>
+                      <a:tailEnd len="sm" w="sm" type="none"/>
+                    </a:lnL>
+                    <a:lnR cap="flat" cmpd="sng" w="9525">
+                      <a:solidFill>
+                        <a:srgbClr val="9E9E9E"/>
+                      </a:solidFill>
+                      <a:prstDash val="solid"/>
+                      <a:round/>
+                      <a:headEnd len="sm" w="sm" type="none"/>
+                      <a:tailEnd len="sm" w="sm" type="none"/>
+                    </a:lnR>
+                    <a:lnT cap="flat" cmpd="sng" w="9525">
+                      <a:solidFill>
+                        <a:srgbClr val="9E9E9E"/>
+                      </a:solidFill>
+                      <a:prstDash val="solid"/>
+                      <a:round/>
+                      <a:headEnd len="sm" w="sm" type="none"/>
+                      <a:tailEnd len="sm" w="sm" type="none"/>
+                    </a:lnT>
+                    <a:lnB cap="flat" cmpd="sng" w="9525">
+                      <a:solidFill>
+                        <a:srgbClr val="9E9E9E"/>
+                      </a:solidFill>
+                      <a:prstDash val="solid"/>
+                      <a:round/>
+                      <a:headEnd len="sm" w="sm" type="none"/>
+                      <a:tailEnd len="sm" w="sm" type="none"/>
+                    </a:lnB>
+                  </a:tcPr>
+                </a:tc>
+                <a:tc>
+                  <a:txBody>
+                    <a:bodyPr/>
+                    <a:lstStyle/>
+                    <a:p>
+                      <a:pPr indent="0" lvl="0" marL="0" rtl="0" algn="ctr">
+                        <a:spcBef>
+                          <a:spcPts val="0"/>
+                        </a:spcBef>
+                        <a:spcAft>
+                          <a:spcPts val="0"/>
+                        </a:spcAft>
+                        <a:buNone/>
+                      </a:pPr>
+                      <a:r>
+                        <a:rPr lang="en"/>
+                        <a:t>* 2 +</a:t>
+                      </a:r>
+                      <a:endParaRPr/>
+                    </a:p>
+                  </a:txBody>
+                  <a:tcPr marT="91425" marB="91425" marR="91425" marL="91425">
+                    <a:lnL cap="flat" cmpd="sng" w="9525">
+                      <a:solidFill>
+                        <a:srgbClr val="9E9E9E"/>
+                      </a:solidFill>
+                      <a:prstDash val="solid"/>
+                      <a:round/>
+                      <a:headEnd len="sm" w="sm" type="none"/>
+                      <a:tailEnd len="sm" w="sm" type="none"/>
+                    </a:lnL>
+                    <a:lnR cap="flat" cmpd="sng" w="9525">
+                      <a:solidFill>
+                        <a:srgbClr val="9E9E9E"/>
+                      </a:solidFill>
+                      <a:prstDash val="solid"/>
+                      <a:round/>
+                      <a:headEnd len="sm" w="sm" type="none"/>
+                      <a:tailEnd len="sm" w="sm" type="none"/>
+                    </a:lnR>
+                    <a:lnT cap="flat" cmpd="sng" w="9525">
+                      <a:solidFill>
+                        <a:srgbClr val="9E9E9E"/>
+                      </a:solidFill>
+                      <a:prstDash val="solid"/>
+                      <a:round/>
+                      <a:headEnd len="sm" w="sm" type="none"/>
+                      <a:tailEnd len="sm" w="sm" type="none"/>
+                    </a:lnT>
+                    <a:lnB cap="flat" cmpd="sng" w="9525">
+                      <a:solidFill>
+                        <a:srgbClr val="9E9E9E"/>
+                      </a:solidFill>
+                      <a:prstDash val="solid"/>
+                      <a:round/>
+                      <a:headEnd len="sm" w="sm" type="none"/>
+                      <a:tailEnd len="sm" w="sm" type="none"/>
+                    </a:lnB>
+                  </a:tcPr>
+                </a:tc>
+                <a:tc>
+                  <a:txBody>
+                    <a:bodyPr/>
+                    <a:lstStyle/>
+                    <a:p>
+                      <a:pPr indent="0" lvl="0" marL="0" rtl="0" algn="ctr">
+                        <a:spcBef>
+                          <a:spcPts val="0"/>
+                        </a:spcBef>
+                        <a:spcAft>
+                          <a:spcPts val="0"/>
+                        </a:spcAft>
+                        <a:buNone/>
+                      </a:pPr>
+                      <a:r>
+                        <a:rPr lang="en"/>
+                        <a:t>1</a:t>
+                      </a:r>
+                      <a:endParaRPr/>
+                    </a:p>
+                  </a:txBody>
+                  <a:tcPr marT="91425" marB="91425" marR="91425" marL="91425">
+                    <a:lnL cap="flat" cmpd="sng" w="9525">
+                      <a:solidFill>
+                        <a:srgbClr val="9E9E9E"/>
+                      </a:solidFill>
+                      <a:prstDash val="solid"/>
+                      <a:round/>
+                      <a:headEnd len="sm" w="sm" type="none"/>
+                      <a:tailEnd len="sm" w="sm" type="none"/>
+                    </a:lnL>
+                    <a:lnR cap="flat" cmpd="sng" w="9525">
+                      <a:solidFill>
+                        <a:srgbClr val="9E9E9E"/>
+                      </a:solidFill>
+                      <a:prstDash val="solid"/>
+                      <a:round/>
+                      <a:headEnd len="sm" w="sm" type="none"/>
+                      <a:tailEnd len="sm" w="sm" type="none"/>
+                    </a:lnR>
+                    <a:lnT cap="flat" cmpd="sng" w="9525">
+                      <a:solidFill>
+                        <a:srgbClr val="9E9E9E"/>
+                      </a:solidFill>
+                      <a:prstDash val="solid"/>
+                      <a:round/>
+                      <a:headEnd len="sm" w="sm" type="none"/>
+                      <a:tailEnd len="sm" w="sm" type="none"/>
+                    </a:lnT>
+                    <a:lnB cap="flat" cmpd="sng" w="9525">
+                      <a:solidFill>
+                        <a:srgbClr val="9E9E9E"/>
+                      </a:solidFill>
+                      <a:prstDash val="solid"/>
+                      <a:round/>
+                      <a:headEnd len="sm" w="sm" type="none"/>
+                      <a:tailEnd len="sm" w="sm" type="none"/>
+                    </a:lnB>
+                  </a:tcPr>
+                </a:tc>
+                <a:tc>
+                  <a:txBody>
+                    <a:bodyPr/>
+                    <a:lstStyle/>
+                    <a:p>
+                      <a:pPr indent="0" lvl="0" marL="0" rtl="0" algn="ctr">
+                        <a:spcBef>
+                          <a:spcPts val="0"/>
+                        </a:spcBef>
+                        <a:spcAft>
+                          <a:spcPts val="0"/>
+                        </a:spcAft>
+                        <a:buNone/>
+                      </a:pPr>
+                      <a:r>
+                        <a:rPr lang="en"/>
+                        <a:t>1</a:t>
+                      </a:r>
+                      <a:endParaRPr/>
+                    </a:p>
+                  </a:txBody>
+                  <a:tcPr marT="91425" marB="91425" marR="91425" marL="91425">
+                    <a:lnL cap="flat" cmpd="sng" w="9525">
+                      <a:solidFill>
+                        <a:srgbClr val="9E9E9E"/>
+                      </a:solidFill>
+                      <a:prstDash val="solid"/>
+                      <a:round/>
+                      <a:headEnd len="sm" w="sm" type="none"/>
+                      <a:tailEnd len="sm" w="sm" type="none"/>
+                    </a:lnL>
+                    <a:lnR cap="flat" cmpd="sng" w="9525">
+                      <a:solidFill>
+                        <a:srgbClr val="9E9E9E"/>
+                      </a:solidFill>
+                      <a:prstDash val="solid"/>
+                      <a:round/>
+                      <a:headEnd len="sm" w="sm" type="none"/>
+                      <a:tailEnd len="sm" w="sm" type="none"/>
+                    </a:lnR>
+                    <a:lnT cap="flat" cmpd="sng" w="9525">
+                      <a:solidFill>
+                        <a:srgbClr val="9E9E9E"/>
+                      </a:solidFill>
+                      <a:prstDash val="solid"/>
+                      <a:round/>
+                      <a:headEnd len="sm" w="sm" type="none"/>
+                      <a:tailEnd len="sm" w="sm" type="none"/>
+                    </a:lnT>
+                    <a:lnB cap="flat" cmpd="sng" w="9525">
+                      <a:solidFill>
+                        <a:srgbClr val="9E9E9E"/>
+                      </a:solidFill>
+                      <a:prstDash val="solid"/>
+                      <a:round/>
+                      <a:headEnd len="sm" w="sm" type="none"/>
+                      <a:tailEnd len="sm" w="sm" type="none"/>
+                    </a:lnB>
+                  </a:tcPr>
+                </a:tc>
+              </a:tr>
+              <a:tr h="381000">
                 <a:tc>
                   <a:txBody>
                     <a:bodyPr/>
@@ -18359,7 +18355,68 @@
                         <a:buNone/>
                       </a:pPr>
                       <a:r>
-                        <a:t/>
+                        <a:rPr lang="en"/>
+                        <a:t>22</a:t>
+                      </a:r>
+                      <a:endParaRPr/>
+                    </a:p>
+                  </a:txBody>
+                  <a:tcPr marT="91425" marB="91425" marR="91425" marL="91425">
+                    <a:lnL cap="flat" cmpd="sng" w="9525">
+                      <a:solidFill>
+                        <a:srgbClr val="9E9E9E"/>
+                      </a:solidFill>
+                      <a:prstDash val="solid"/>
+                      <a:round/>
+                      <a:headEnd len="sm" w="sm" type="none"/>
+                      <a:tailEnd len="sm" w="sm" type="none"/>
+                    </a:lnL>
+                    <a:lnR cap="flat" cmpd="sng" w="9525">
+                      <a:solidFill>
+                        <a:srgbClr val="9E9E9E"/>
+                      </a:solidFill>
+                      <a:prstDash val="solid"/>
+                      <a:round/>
+                      <a:headEnd len="sm" w="sm" type="none"/>
+                      <a:tailEnd len="sm" w="sm" type="none"/>
+                    </a:lnR>
+                    <a:lnT cap="flat" cmpd="sng" w="9525">
+                      <a:solidFill>
+                        <a:srgbClr val="9E9E9E"/>
+                      </a:solidFill>
+                      <a:prstDash val="solid"/>
+                      <a:round/>
+                      <a:headEnd len="sm" w="sm" type="none"/>
+                      <a:tailEnd len="sm" w="sm" type="none"/>
+                    </a:lnT>
+                    <a:lnB cap="flat" cmpd="sng" w="9525">
+                      <a:solidFill>
+                        <a:srgbClr val="9E9E9E"/>
+                      </a:solidFill>
+                      <a:prstDash val="solid"/>
+                      <a:round/>
+                      <a:headEnd len="sm" w="sm" type="none"/>
+                      <a:tailEnd len="sm" w="sm" type="none"/>
+                    </a:lnB>
+                  </a:tcPr>
+                </a:tc>
+                <a:tc>
+                  <a:txBody>
+                    <a:bodyPr/>
+                    <a:lstStyle/>
+                    <a:p>
+                      <a:pPr indent="0" lvl="0" marL="0" rtl="0" algn="ctr">
+                        <a:spcBef>
+                          <a:spcPts val="0"/>
+                        </a:spcBef>
+                        <a:spcAft>
+                          <a:spcPts val="0"/>
+                        </a:spcAft>
+                        <a:buNone/>
+                      </a:pPr>
+                      <a:r>
+                        <a:rPr lang="en"/>
+                        <a:t>=</a:t>
                       </a:r>
                       <a:endParaRPr/>
                     </a:p>
@@ -18418,7 +18475,8 @@
                         <a:buNone/>
                       </a:pPr>
                       <a:r>
-                        <a:t/>
+                        <a:rPr lang="en"/>
+                        <a:t>11</a:t>
                       </a:r>
                       <a:endParaRPr/>
                     </a:p>
@@ -18467,7 +18525,7 @@
                     <a:bodyPr/>
                     <a:lstStyle/>
                     <a:p>
-                      <a:pPr indent="0" lvl="0" marL="0" rtl="0" algn="l">
+                      <a:pPr indent="0" lvl="0" marL="0" rtl="0" algn="ctr">
                         <a:spcBef>
                           <a:spcPts val="0"/>
                         </a:spcBef>
@@ -18477,7 +18535,8 @@
                         <a:buNone/>
                       </a:pPr>
                       <a:r>
-                        <a:t/>
+                        <a:rPr lang="en"/>
+                        <a:t>* 2 +</a:t>
                       </a:r>
                       <a:endParaRPr/>
                     </a:p>
@@ -18581,6 +18640,66 @@
                     </a:lnB>
                   </a:tcPr>
                 </a:tc>
+                <a:tc>
+                  <a:txBody>
+                    <a:bodyPr/>
+                    <a:lstStyle/>
+                    <a:p>
+                      <a:pPr indent="0" lvl="0" marL="0" rtl="0" algn="ctr">
+                        <a:spcBef>
+                          <a:spcPts val="0"/>
+                        </a:spcBef>
+                        <a:spcAft>
+                          <a:spcPts val="0"/>
+                        </a:spcAft>
+                        <a:buNone/>
+                      </a:pPr>
+                      <a:r>
+                        <a:rPr lang="en"/>
+                        <a:t>0</a:t>
+                      </a:r>
+                      <a:endParaRPr/>
+                    </a:p>
+                  </a:txBody>
+                  <a:tcPr marT="91425" marB="91425" marR="91425" marL="91425">
+                    <a:lnL cap="flat" cmpd="sng" w="9525">
+                      <a:solidFill>
+                        <a:srgbClr val="9E9E9E"/>
+                      </a:solidFill>
+                      <a:prstDash val="solid"/>
+                      <a:round/>
+                      <a:headEnd len="sm" w="sm" type="none"/>
+                      <a:tailEnd len="sm" w="sm" type="none"/>
+                    </a:lnL>
+                    <a:lnR cap="flat" cmpd="sng" w="9525">
+                      <a:solidFill>
+                        <a:srgbClr val="9E9E9E"/>
+                      </a:solidFill>
+                      <a:prstDash val="solid"/>
+                      <a:round/>
+                      <a:headEnd len="sm" w="sm" type="none"/>
+                      <a:tailEnd len="sm" w="sm" type="none"/>
+                    </a:lnR>
+                    <a:lnT cap="flat" cmpd="sng" w="9525">
+                      <a:solidFill>
+                        <a:srgbClr val="9E9E9E"/>
+                      </a:solidFill>
+                      <a:prstDash val="solid"/>
+                      <a:round/>
+                      <a:headEnd len="sm" w="sm" type="none"/>
+                      <a:tailEnd len="sm" w="sm" type="none"/>
+                    </a:lnT>
+                    <a:lnB cap="flat" cmpd="sng" w="9525">
+                      <a:solidFill>
+                        <a:srgbClr val="9E9E9E"/>
+                      </a:solidFill>
+                      <a:prstDash val="solid"/>
+                      <a:round/>
+                      <a:headEnd len="sm" w="sm" type="none"/>
+                      <a:tailEnd len="sm" w="sm" type="none"/>
+                    </a:lnB>
+                  </a:tcPr>
+                </a:tc>
               </a:tr>
               <a:tr h="381000">
                 <a:tc>
@@ -18657,7 +18776,68 @@
                         <a:buNone/>
                       </a:pPr>
                       <a:r>
-                        <a:t/>
+                        <a:rPr lang="en"/>
+                        <a:t>45</a:t>
+                      </a:r>
+                      <a:endParaRPr/>
+                    </a:p>
+                  </a:txBody>
+                  <a:tcPr marT="91425" marB="91425" marR="91425" marL="91425">
+                    <a:lnL cap="flat" cmpd="sng" w="9525">
+                      <a:solidFill>
+                        <a:srgbClr val="9E9E9E"/>
+                      </a:solidFill>
+                      <a:prstDash val="solid"/>
+                      <a:round/>
+                      <a:headEnd len="sm" w="sm" type="none"/>
+                      <a:tailEnd len="sm" w="sm" type="none"/>
+                    </a:lnL>
+                    <a:lnR cap="flat" cmpd="sng" w="9525">
+                      <a:solidFill>
+                        <a:srgbClr val="9E9E9E"/>
+                      </a:solidFill>
+                      <a:prstDash val="solid"/>
+                      <a:round/>
+                      <a:headEnd len="sm" w="sm" type="none"/>
+                      <a:tailEnd len="sm" w="sm" type="none"/>
+                    </a:lnR>
+                    <a:lnT cap="flat" cmpd="sng" w="9525">
+                      <a:solidFill>
+                        <a:srgbClr val="9E9E9E"/>
+                      </a:solidFill>
+                      <a:prstDash val="solid"/>
+                      <a:round/>
+                      <a:headEnd len="sm" w="sm" type="none"/>
+                      <a:tailEnd len="sm" w="sm" type="none"/>
+                    </a:lnT>
+                    <a:lnB cap="flat" cmpd="sng" w="9525">
+                      <a:solidFill>
+                        <a:srgbClr val="9E9E9E"/>
+                      </a:solidFill>
+                      <a:prstDash val="solid"/>
+                      <a:round/>
+                      <a:headEnd len="sm" w="sm" type="none"/>
+                      <a:tailEnd len="sm" w="sm" type="none"/>
+                    </a:lnB>
+                  </a:tcPr>
+                </a:tc>
+                <a:tc>
+                  <a:txBody>
+                    <a:bodyPr/>
+                    <a:lstStyle/>
+                    <a:p>
+                      <a:pPr indent="0" lvl="0" marL="0" rtl="0" algn="ctr">
+                        <a:spcBef>
+                          <a:spcPts val="0"/>
+                        </a:spcBef>
+                        <a:spcAft>
+                          <a:spcPts val="0"/>
+                        </a:spcAft>
+                        <a:buNone/>
+                      </a:pPr>
+                      <a:r>
+                        <a:rPr lang="en"/>
+                        <a:t>=</a:t>
                       </a:r>
                       <a:endParaRPr/>
                     </a:p>
@@ -18716,7 +18896,8 @@
                         <a:buNone/>
                       </a:pPr>
                       <a:r>
-                        <a:t/>
+                        <a:rPr lang="en"/>
+                        <a:t>22</a:t>
                       </a:r>
                       <a:endParaRPr/>
                     </a:p>
@@ -18765,7 +18946,7 @@
                     <a:bodyPr/>
                     <a:lstStyle/>
                     <a:p>
-                      <a:pPr indent="0" lvl="0" marL="0" rtl="0" algn="l">
+                      <a:pPr indent="0" lvl="0" marL="0" rtl="0" algn="ctr">
                         <a:spcBef>
                           <a:spcPts val="0"/>
                         </a:spcBef>
@@ -18775,125 +18956,8 @@
                         <a:buNone/>
                       </a:pPr>
                       <a:r>
-                        <a:t/>
-                      </a:r>
-                      <a:endParaRPr/>
-                    </a:p>
-                  </a:txBody>
-                  <a:tcPr marT="91425" marB="91425" marR="91425" marL="91425">
-                    <a:lnL cap="flat" cmpd="sng" w="9525">
-                      <a:solidFill>
-                        <a:srgbClr val="9E9E9E"/>
-                      </a:solidFill>
-                      <a:prstDash val="solid"/>
-                      <a:round/>
-                      <a:headEnd len="sm" w="sm" type="none"/>
-                      <a:tailEnd len="sm" w="sm" type="none"/>
-                    </a:lnL>
-                    <a:lnR cap="flat" cmpd="sng" w="9525">
-                      <a:solidFill>
-                        <a:srgbClr val="9E9E9E"/>
-                      </a:solidFill>
-                      <a:prstDash val="solid"/>
-                      <a:round/>
-                      <a:headEnd len="sm" w="sm" type="none"/>
-                      <a:tailEnd len="sm" w="sm" type="none"/>
-                    </a:lnR>
-                    <a:lnT cap="flat" cmpd="sng" w="9525">
-                      <a:solidFill>
-                        <a:srgbClr val="9E9E9E"/>
-                      </a:solidFill>
-                      <a:prstDash val="solid"/>
-                      <a:round/>
-                      <a:headEnd len="sm" w="sm" type="none"/>
-                      <a:tailEnd len="sm" w="sm" type="none"/>
-                    </a:lnT>
-                    <a:lnB cap="flat" cmpd="sng" w="9525">
-                      <a:solidFill>
-                        <a:srgbClr val="9E9E9E"/>
-                      </a:solidFill>
-                      <a:prstDash val="solid"/>
-                      <a:round/>
-                      <a:headEnd len="sm" w="sm" type="none"/>
-                      <a:tailEnd len="sm" w="sm" type="none"/>
-                    </a:lnB>
-                  </a:tcPr>
-                </a:tc>
-                <a:tc>
-                  <a:txBody>
-                    <a:bodyPr/>
-                    <a:lstStyle/>
-                    <a:p>
-                      <a:pPr indent="0" lvl="0" marL="0" rtl="0" algn="l">
-                        <a:spcBef>
-                          <a:spcPts val="0"/>
-                        </a:spcBef>
-                        <a:spcAft>
-                          <a:spcPts val="0"/>
-                        </a:spcAft>
-                        <a:buNone/>
-                      </a:pPr>
-                      <a:r>
-                        <a:t/>
-                      </a:r>
-                      <a:endParaRPr/>
-                    </a:p>
-                  </a:txBody>
-                  <a:tcPr marT="91425" marB="91425" marR="91425" marL="91425">
-                    <a:lnL cap="flat" cmpd="sng" w="9525">
-                      <a:solidFill>
-                        <a:srgbClr val="9E9E9E"/>
-                      </a:solidFill>
-                      <a:prstDash val="solid"/>
-                      <a:round/>
-                      <a:headEnd len="sm" w="sm" type="none"/>
-                      <a:tailEnd len="sm" w="sm" type="none"/>
-                    </a:lnL>
-                    <a:lnR cap="flat" cmpd="sng" w="9525">
-                      <a:solidFill>
-                        <a:srgbClr val="9E9E9E"/>
-                      </a:solidFill>
-                      <a:prstDash val="solid"/>
-                      <a:round/>
-                      <a:headEnd len="sm" w="sm" type="none"/>
-                      <a:tailEnd len="sm" w="sm" type="none"/>
-                    </a:lnR>
-                    <a:lnT cap="flat" cmpd="sng" w="9525">
-                      <a:solidFill>
-                        <a:srgbClr val="9E9E9E"/>
-                      </a:solidFill>
-                      <a:prstDash val="solid"/>
-                      <a:round/>
-                      <a:headEnd len="sm" w="sm" type="none"/>
-                      <a:tailEnd len="sm" w="sm" type="none"/>
-                    </a:lnT>
-                    <a:lnB cap="flat" cmpd="sng" w="9525">
-                      <a:solidFill>
-                        <a:srgbClr val="9E9E9E"/>
-                      </a:solidFill>
-                      <a:prstDash val="solid"/>
-                      <a:round/>
-                      <a:headEnd len="sm" w="sm" type="none"/>
-                      <a:tailEnd len="sm" w="sm" type="none"/>
-                    </a:lnB>
-                  </a:tcPr>
-                </a:tc>
-                <a:tc>
-                  <a:txBody>
-                    <a:bodyPr/>
-                    <a:lstStyle/>
-                    <a:p>
-                      <a:pPr indent="0" lvl="0" marL="0" rtl="0" algn="l">
-                        <a:spcBef>
-                          <a:spcPts val="0"/>
-                        </a:spcBef>
-                        <a:spcAft>
-                          <a:spcPts val="0"/>
-                        </a:spcAft>
-                        <a:buNone/>
-                      </a:pPr>
-                      <a:r>
-                        <a:t/>
+                        <a:rPr lang="en"/>
+                        <a:t>* 2 +</a:t>
                       </a:r>
                       <a:endParaRPr/>
                     </a:p>
@@ -18997,6 +19061,66 @@
                     </a:lnB>
                   </a:tcPr>
                 </a:tc>
+                <a:tc>
+                  <a:txBody>
+                    <a:bodyPr/>
+                    <a:lstStyle/>
+                    <a:p>
+                      <a:pPr indent="0" lvl="0" marL="0" rtl="0" algn="ctr">
+                        <a:spcBef>
+                          <a:spcPts val="0"/>
+                        </a:spcBef>
+                        <a:spcAft>
+                          <a:spcPts val="0"/>
+                        </a:spcAft>
+                        <a:buNone/>
+                      </a:pPr>
+                      <a:r>
+                        <a:rPr lang="en"/>
+                        <a:t>1</a:t>
+                      </a:r>
+                      <a:endParaRPr/>
+                    </a:p>
+                  </a:txBody>
+                  <a:tcPr marT="91425" marB="91425" marR="91425" marL="91425">
+                    <a:lnL cap="flat" cmpd="sng" w="9525">
+                      <a:solidFill>
+                        <a:srgbClr val="9E9E9E"/>
+                      </a:solidFill>
+                      <a:prstDash val="solid"/>
+                      <a:round/>
+                      <a:headEnd len="sm" w="sm" type="none"/>
+                      <a:tailEnd len="sm" w="sm" type="none"/>
+                    </a:lnL>
+                    <a:lnR cap="flat" cmpd="sng" w="9525">
+                      <a:solidFill>
+                        <a:srgbClr val="9E9E9E"/>
+                      </a:solidFill>
+                      <a:prstDash val="solid"/>
+                      <a:round/>
+                      <a:headEnd len="sm" w="sm" type="none"/>
+                      <a:tailEnd len="sm" w="sm" type="none"/>
+                    </a:lnR>
+                    <a:lnT cap="flat" cmpd="sng" w="9525">
+                      <a:solidFill>
+                        <a:srgbClr val="9E9E9E"/>
+                      </a:solidFill>
+                      <a:prstDash val="solid"/>
+                      <a:round/>
+                      <a:headEnd len="sm" w="sm" type="none"/>
+                      <a:tailEnd len="sm" w="sm" type="none"/>
+                    </a:lnT>
+                    <a:lnB cap="flat" cmpd="sng" w="9525">
+                      <a:solidFill>
+                        <a:srgbClr val="9E9E9E"/>
+                      </a:solidFill>
+                      <a:prstDash val="solid"/>
+                      <a:round/>
+                      <a:headEnd len="sm" w="sm" type="none"/>
+                      <a:tailEnd len="sm" w="sm" type="none"/>
+                    </a:lnB>
+                  </a:tcPr>
+                </a:tc>
               </a:tr>
               <a:tr h="381000">
                 <a:tc>
@@ -19073,7 +19197,68 @@
                         <a:buNone/>
                       </a:pPr>
                       <a:r>
-                        <a:t/>
+                        <a:rPr lang="en"/>
+                        <a:t>90</a:t>
+                      </a:r>
+                      <a:endParaRPr/>
+                    </a:p>
+                  </a:txBody>
+                  <a:tcPr marT="91425" marB="91425" marR="91425" marL="91425">
+                    <a:lnL cap="flat" cmpd="sng" w="9525">
+                      <a:solidFill>
+                        <a:srgbClr val="9E9E9E"/>
+                      </a:solidFill>
+                      <a:prstDash val="solid"/>
+                      <a:round/>
+                      <a:headEnd len="sm" w="sm" type="none"/>
+                      <a:tailEnd len="sm" w="sm" type="none"/>
+                    </a:lnL>
+                    <a:lnR cap="flat" cmpd="sng" w="9525">
+                      <a:solidFill>
+                        <a:srgbClr val="9E9E9E"/>
+                      </a:solidFill>
+                      <a:prstDash val="solid"/>
+                      <a:round/>
+                      <a:headEnd len="sm" w="sm" type="none"/>
+                      <a:tailEnd len="sm" w="sm" type="none"/>
+                    </a:lnR>
+                    <a:lnT cap="flat" cmpd="sng" w="9525">
+                      <a:solidFill>
+                        <a:srgbClr val="9E9E9E"/>
+                      </a:solidFill>
+                      <a:prstDash val="solid"/>
+                      <a:round/>
+                      <a:headEnd len="sm" w="sm" type="none"/>
+                      <a:tailEnd len="sm" w="sm" type="none"/>
+                    </a:lnT>
+                    <a:lnB cap="flat" cmpd="sng" w="9525">
+                      <a:solidFill>
+                        <a:srgbClr val="9E9E9E"/>
+                      </a:solidFill>
+                      <a:prstDash val="solid"/>
+                      <a:round/>
+                      <a:headEnd len="sm" w="sm" type="none"/>
+                      <a:tailEnd len="sm" w="sm" type="none"/>
+                    </a:lnB>
+                  </a:tcPr>
+                </a:tc>
+                <a:tc>
+                  <a:txBody>
+                    <a:bodyPr/>
+                    <a:lstStyle/>
+                    <a:p>
+                      <a:pPr indent="0" lvl="0" marL="0" rtl="0" algn="ctr">
+                        <a:spcBef>
+                          <a:spcPts val="0"/>
+                        </a:spcBef>
+                        <a:spcAft>
+                          <a:spcPts val="0"/>
+                        </a:spcAft>
+                        <a:buNone/>
+                      </a:pPr>
+                      <a:r>
+                        <a:rPr lang="en"/>
+                        <a:t>=</a:t>
                       </a:r>
                       <a:endParaRPr/>
                     </a:p>
@@ -19132,7 +19317,8 @@
                         <a:buNone/>
                       </a:pPr>
                       <a:r>
-                        <a:t/>
+                        <a:rPr lang="en"/>
+                        <a:t>45</a:t>
                       </a:r>
                       <a:endParaRPr/>
                     </a:p>
@@ -19181,7 +19367,7 @@
                     <a:bodyPr/>
                     <a:lstStyle/>
                     <a:p>
-                      <a:pPr indent="0" lvl="0" marL="0" rtl="0" algn="l">
+                      <a:pPr indent="0" lvl="0" marL="0" rtl="0" algn="ctr">
                         <a:spcBef>
                           <a:spcPts val="0"/>
                         </a:spcBef>
@@ -19191,125 +19377,8 @@
                         <a:buNone/>
                       </a:pPr>
                       <a:r>
-                        <a:t/>
-                      </a:r>
-                      <a:endParaRPr/>
-                    </a:p>
-                  </a:txBody>
-                  <a:tcPr marT="91425" marB="91425" marR="91425" marL="91425">
-                    <a:lnL cap="flat" cmpd="sng" w="9525">
-                      <a:solidFill>
-                        <a:srgbClr val="9E9E9E"/>
-                      </a:solidFill>
-                      <a:prstDash val="solid"/>
-                      <a:round/>
-                      <a:headEnd len="sm" w="sm" type="none"/>
-                      <a:tailEnd len="sm" w="sm" type="none"/>
-                    </a:lnL>
-                    <a:lnR cap="flat" cmpd="sng" w="9525">
-                      <a:solidFill>
-                        <a:srgbClr val="9E9E9E"/>
-                      </a:solidFill>
-                      <a:prstDash val="solid"/>
-                      <a:round/>
-                      <a:headEnd len="sm" w="sm" type="none"/>
-                      <a:tailEnd len="sm" w="sm" type="none"/>
-                    </a:lnR>
-                    <a:lnT cap="flat" cmpd="sng" w="9525">
-                      <a:solidFill>
-                        <a:srgbClr val="9E9E9E"/>
-                      </a:solidFill>
-                      <a:prstDash val="solid"/>
-                      <a:round/>
-                      <a:headEnd len="sm" w="sm" type="none"/>
-                      <a:tailEnd len="sm" w="sm" type="none"/>
-                    </a:lnT>
-                    <a:lnB cap="flat" cmpd="sng" w="9525">
-                      <a:solidFill>
-                        <a:srgbClr val="9E9E9E"/>
-                      </a:solidFill>
-                      <a:prstDash val="solid"/>
-                      <a:round/>
-                      <a:headEnd len="sm" w="sm" type="none"/>
-                      <a:tailEnd len="sm" w="sm" type="none"/>
-                    </a:lnB>
-                  </a:tcPr>
-                </a:tc>
-                <a:tc>
-                  <a:txBody>
-                    <a:bodyPr/>
-                    <a:lstStyle/>
-                    <a:p>
-                      <a:pPr indent="0" lvl="0" marL="0" rtl="0" algn="l">
-                        <a:spcBef>
-                          <a:spcPts val="0"/>
-                        </a:spcBef>
-                        <a:spcAft>
-                          <a:spcPts val="0"/>
-                        </a:spcAft>
-                        <a:buNone/>
-                      </a:pPr>
-                      <a:r>
-                        <a:t/>
-                      </a:r>
-                      <a:endParaRPr/>
-                    </a:p>
-                  </a:txBody>
-                  <a:tcPr marT="91425" marB="91425" marR="91425" marL="91425">
-                    <a:lnL cap="flat" cmpd="sng" w="9525">
-                      <a:solidFill>
-                        <a:srgbClr val="9E9E9E"/>
-                      </a:solidFill>
-                      <a:prstDash val="solid"/>
-                      <a:round/>
-                      <a:headEnd len="sm" w="sm" type="none"/>
-                      <a:tailEnd len="sm" w="sm" type="none"/>
-                    </a:lnL>
-                    <a:lnR cap="flat" cmpd="sng" w="9525">
-                      <a:solidFill>
-                        <a:srgbClr val="9E9E9E"/>
-                      </a:solidFill>
-                      <a:prstDash val="solid"/>
-                      <a:round/>
-                      <a:headEnd len="sm" w="sm" type="none"/>
-                      <a:tailEnd len="sm" w="sm" type="none"/>
-                    </a:lnR>
-                    <a:lnT cap="flat" cmpd="sng" w="9525">
-                      <a:solidFill>
-                        <a:srgbClr val="9E9E9E"/>
-                      </a:solidFill>
-                      <a:prstDash val="solid"/>
-                      <a:round/>
-                      <a:headEnd len="sm" w="sm" type="none"/>
-                      <a:tailEnd len="sm" w="sm" type="none"/>
-                    </a:lnT>
-                    <a:lnB cap="flat" cmpd="sng" w="9525">
-                      <a:solidFill>
-                        <a:srgbClr val="9E9E9E"/>
-                      </a:solidFill>
-                      <a:prstDash val="solid"/>
-                      <a:round/>
-                      <a:headEnd len="sm" w="sm" type="none"/>
-                      <a:tailEnd len="sm" w="sm" type="none"/>
-                    </a:lnB>
-                  </a:tcPr>
-                </a:tc>
-                <a:tc>
-                  <a:txBody>
-                    <a:bodyPr/>
-                    <a:lstStyle/>
-                    <a:p>
-                      <a:pPr indent="0" lvl="0" marL="0" rtl="0" algn="l">
-                        <a:spcBef>
-                          <a:spcPts val="0"/>
-                        </a:spcBef>
-                        <a:spcAft>
-                          <a:spcPts val="0"/>
-                        </a:spcAft>
-                        <a:buNone/>
-                      </a:pPr>
-                      <a:r>
-                        <a:t/>
+                        <a:rPr lang="en"/>
+                        <a:t>* 2 +</a:t>
                       </a:r>
                       <a:endParaRPr/>
                     </a:p>
@@ -19413,6 +19482,66 @@
                     </a:lnB>
                   </a:tcPr>
                 </a:tc>
+                <a:tc>
+                  <a:txBody>
+                    <a:bodyPr/>
+                    <a:lstStyle/>
+                    <a:p>
+                      <a:pPr indent="0" lvl="0" marL="0" rtl="0" algn="ctr">
+                        <a:spcBef>
+                          <a:spcPts val="0"/>
+                        </a:spcBef>
+                        <a:spcAft>
+                          <a:spcPts val="0"/>
+                        </a:spcAft>
+                        <a:buNone/>
+                      </a:pPr>
+                      <a:r>
+                        <a:rPr lang="en"/>
+                        <a:t>0</a:t>
+                      </a:r>
+                      <a:endParaRPr/>
+                    </a:p>
+                  </a:txBody>
+                  <a:tcPr marT="91425" marB="91425" marR="91425" marL="91425">
+                    <a:lnL cap="flat" cmpd="sng" w="9525">
+                      <a:solidFill>
+                        <a:srgbClr val="9E9E9E"/>
+                      </a:solidFill>
+                      <a:prstDash val="solid"/>
+                      <a:round/>
+                      <a:headEnd len="sm" w="sm" type="none"/>
+                      <a:tailEnd len="sm" w="sm" type="none"/>
+                    </a:lnL>
+                    <a:lnR cap="flat" cmpd="sng" w="9525">
+                      <a:solidFill>
+                        <a:srgbClr val="9E9E9E"/>
+                      </a:solidFill>
+                      <a:prstDash val="solid"/>
+                      <a:round/>
+                      <a:headEnd len="sm" w="sm" type="none"/>
+                      <a:tailEnd len="sm" w="sm" type="none"/>
+                    </a:lnR>
+                    <a:lnT cap="flat" cmpd="sng" w="9525">
+                      <a:solidFill>
+                        <a:srgbClr val="9E9E9E"/>
+                      </a:solidFill>
+                      <a:prstDash val="solid"/>
+                      <a:round/>
+                      <a:headEnd len="sm" w="sm" type="none"/>
+                      <a:tailEnd len="sm" w="sm" type="none"/>
+                    </a:lnT>
+                    <a:lnB cap="flat" cmpd="sng" w="9525">
+                      <a:solidFill>
+                        <a:srgbClr val="9E9E9E"/>
+                      </a:solidFill>
+                      <a:prstDash val="solid"/>
+                      <a:round/>
+                      <a:headEnd len="sm" w="sm" type="none"/>
+                      <a:tailEnd len="sm" w="sm" type="none"/>
+                    </a:lnB>
+                  </a:tcPr>
+                </a:tc>
               </a:tr>
               <a:tr h="381000">
                 <a:tc>
@@ -19489,7 +19618,68 @@
                         <a:buNone/>
                       </a:pPr>
                       <a:r>
-                        <a:t/>
+                        <a:rPr lang="en"/>
+                        <a:t>181</a:t>
+                      </a:r>
+                      <a:endParaRPr/>
+                    </a:p>
+                  </a:txBody>
+                  <a:tcPr marT="91425" marB="91425" marR="91425" marL="91425">
+                    <a:lnL cap="flat" cmpd="sng" w="9525">
+                      <a:solidFill>
+                        <a:srgbClr val="9E9E9E"/>
+                      </a:solidFill>
+                      <a:prstDash val="solid"/>
+                      <a:round/>
+                      <a:headEnd len="sm" w="sm" type="none"/>
+                      <a:tailEnd len="sm" w="sm" type="none"/>
+                    </a:lnL>
+                    <a:lnR cap="flat" cmpd="sng" w="9525">
+                      <a:solidFill>
+                        <a:srgbClr val="9E9E9E"/>
+                      </a:solidFill>
+                      <a:prstDash val="solid"/>
+                      <a:round/>
+                      <a:headEnd len="sm" w="sm" type="none"/>
+                      <a:tailEnd len="sm" w="sm" type="none"/>
+                    </a:lnR>
+                    <a:lnT cap="flat" cmpd="sng" w="9525">
+                      <a:solidFill>
+                        <a:srgbClr val="9E9E9E"/>
+                      </a:solidFill>
+                      <a:prstDash val="solid"/>
+                      <a:round/>
+                      <a:headEnd len="sm" w="sm" type="none"/>
+                      <a:tailEnd len="sm" w="sm" type="none"/>
+                    </a:lnT>
+                    <a:lnB cap="flat" cmpd="sng" w="9525">
+                      <a:solidFill>
+                        <a:srgbClr val="9E9E9E"/>
+                      </a:solidFill>
+                      <a:prstDash val="solid"/>
+                      <a:round/>
+                      <a:headEnd len="sm" w="sm" type="none"/>
+                      <a:tailEnd len="sm" w="sm" type="none"/>
+                    </a:lnB>
+                  </a:tcPr>
+                </a:tc>
+                <a:tc>
+                  <a:txBody>
+                    <a:bodyPr/>
+                    <a:lstStyle/>
+                    <a:p>
+                      <a:pPr indent="0" lvl="0" marL="0" rtl="0" algn="ctr">
+                        <a:spcBef>
+                          <a:spcPts val="0"/>
+                        </a:spcBef>
+                        <a:spcAft>
+                          <a:spcPts val="0"/>
+                        </a:spcAft>
+                        <a:buNone/>
+                      </a:pPr>
+                      <a:r>
+                        <a:rPr lang="en"/>
+                        <a:t>=</a:t>
                       </a:r>
                       <a:endParaRPr/>
                     </a:p>
@@ -19548,7 +19738,8 @@
                         <a:buNone/>
                       </a:pPr>
                       <a:r>
-                        <a:t/>
+                        <a:rPr lang="en"/>
+                        <a:t>90</a:t>
                       </a:r>
                       <a:endParaRPr/>
                     </a:p>
@@ -19597,17 +19788,27 @@
                     <a:bodyPr/>
                     <a:lstStyle/>
                     <a:p>
-                      <a:pPr indent="0" lvl="0" marL="0" rtl="0" algn="l">
+                      <a:pPr indent="0" lvl="0" marL="0" rtl="0" algn="ctr">
                         <a:spcBef>
                           <a:spcPts val="0"/>
                         </a:spcBef>
                         <a:spcAft>
                           <a:spcPts val="0"/>
                         </a:spcAft>
+                        <a:buClr>
+                          <a:schemeClr val="dk1"/>
+                        </a:buClr>
+                        <a:buSzPts val="1100"/>
+                        <a:buFont typeface="Arial"/>
                         <a:buNone/>
                       </a:pPr>
                       <a:r>
-                        <a:t/>
+                        <a:rPr lang="en">
+                          <a:solidFill>
+                            <a:schemeClr val="dk1"/>
+                          </a:solidFill>
+                        </a:rPr>
+                        <a:t>* 2 +</a:t>
                       </a:r>
                       <a:endParaRPr/>
                     </a:p>
@@ -19656,7 +19857,7 @@
                     <a:bodyPr/>
                     <a:lstStyle/>
                     <a:p>
-                      <a:pPr indent="0" lvl="0" marL="0" rtl="0" algn="l">
+                      <a:pPr indent="0" lvl="0" marL="0" rtl="0" algn="ctr">
                         <a:spcBef>
                           <a:spcPts val="0"/>
                         </a:spcBef>
@@ -19666,66 +19867,8 @@
                         <a:buNone/>
                       </a:pPr>
                       <a:r>
-                        <a:t/>
-                      </a:r>
-                      <a:endParaRPr/>
-                    </a:p>
-                  </a:txBody>
-                  <a:tcPr marT="91425" marB="91425" marR="91425" marL="91425">
-                    <a:lnL cap="flat" cmpd="sng" w="9525">
-                      <a:solidFill>
-                        <a:srgbClr val="9E9E9E"/>
-                      </a:solidFill>
-                      <a:prstDash val="solid"/>
-                      <a:round/>
-                      <a:headEnd len="sm" w="sm" type="none"/>
-                      <a:tailEnd len="sm" w="sm" type="none"/>
-                    </a:lnL>
-                    <a:lnR cap="flat" cmpd="sng" w="9525">
-                      <a:solidFill>
-                        <a:srgbClr val="9E9E9E"/>
-                      </a:solidFill>
-                      <a:prstDash val="solid"/>
-                      <a:round/>
-                      <a:headEnd len="sm" w="sm" type="none"/>
-                      <a:tailEnd len="sm" w="sm" type="none"/>
-                    </a:lnR>
-                    <a:lnT cap="flat" cmpd="sng" w="9525">
-                      <a:solidFill>
-                        <a:srgbClr val="9E9E9E"/>
-                      </a:solidFill>
-                      <a:prstDash val="solid"/>
-                      <a:round/>
-                      <a:headEnd len="sm" w="sm" type="none"/>
-                      <a:tailEnd len="sm" w="sm" type="none"/>
-                    </a:lnT>
-                    <a:lnB cap="flat" cmpd="sng" w="9525">
-                      <a:solidFill>
-                        <a:srgbClr val="9E9E9E"/>
-                      </a:solidFill>
-                      <a:prstDash val="solid"/>
-                      <a:round/>
-                      <a:headEnd len="sm" w="sm" type="none"/>
-                      <a:tailEnd len="sm" w="sm" type="none"/>
-                    </a:lnB>
-                  </a:tcPr>
-                </a:tc>
-                <a:tc>
-                  <a:txBody>
-                    <a:bodyPr/>
-                    <a:lstStyle/>
-                    <a:p>
-                      <a:pPr indent="0" lvl="0" marL="0" rtl="0" algn="l">
-                        <a:spcBef>
-                          <a:spcPts val="0"/>
-                        </a:spcBef>
-                        <a:spcAft>
-                          <a:spcPts val="0"/>
-                        </a:spcAft>
-                        <a:buNone/>
-                      </a:pPr>
-                      <a:r>
-                        <a:t/>
+                        <a:rPr lang="en"/>
+                        <a:t>1</a:t>
                       </a:r>
                       <a:endParaRPr/>
                     </a:p>
@@ -20460,7 +20603,7 @@
             </a:pPr>
             <a:r>
               <a:rPr lang="en"/>
-              <a:t>Consider:  2# </a:t>
+              <a:t>Consider:  8# </a:t>
             </a:r>
             <a:r>
               <a:rPr lang="en">
@@ -20536,7 +20679,7 @@
                   <a:schemeClr val="dk1"/>
                 </a:solidFill>
               </a:rPr>
-              <a:t>?</a:t>
+              <a:t>?8#  453</a:t>
             </a:r>
             <a:endParaRPr sz="1700"/>
           </a:p>
@@ -20606,7 +20749,7 @@
             <a:tbl>
               <a:tblPr>
                 <a:noFill/>
-                <a:tableStyleId>{86314A7A-C4F5-4B72-8496-4BA3D4C0E920}</a:tableStyleId>
+                <a:tableStyleId>{D9783DC4-A9D2-433C-85FA-F0FB6AE63859}</a:tableStyleId>
               </a:tblPr>
               <a:tblGrid>
                 <a:gridCol w="350575"/>
@@ -20666,7 +20809,8 @@
                         <a:buNone/>
                       </a:pPr>
                       <a:r>
-                        <a:t/>
+                        <a:rPr lang="en"/>
+                        <a:t>4</a:t>
                       </a:r>
                       <a:endParaRPr/>
                     </a:p>
@@ -20765,12 +20909,21 @@
                       </a:pPr>
                       <a:r>
                         <a:rPr lang="en"/>
-                        <a:t>* 2 +</a:t>
+                        <a:t>* 8 +</a:t>
                       </a:r>
                       <a:endParaRPr/>
                     </a:p>
                   </a:txBody>
                   <a:tcPr marT="91425" marB="91425" marR="91425" marL="91425">
+                    <a:lnR cap="flat" cmpd="sng" w="9525">
+                      <a:solidFill>
+                        <a:srgbClr val="9E9E9E"/>
+                      </a:solidFill>
+                      <a:prstDash val="solid"/>
+                      <a:round/>
+                      <a:headEnd len="sm" w="sm" type="none"/>
+                      <a:tailEnd len="sm" w="sm" type="none"/>
+                    </a:lnR>
                     <a:lnB cap="flat" cmpd="sng" w="9525">
                       <a:solidFill>
                         <a:srgbClr val="9E9E9E"/>
@@ -20797,12 +20950,40 @@
                         <a:buNone/>
                       </a:pPr>
                       <a:r>
-                        <a:t/>
+                        <a:rPr lang="en"/>
+                        <a:t>4</a:t>
                       </a:r>
                       <a:endParaRPr/>
                     </a:p>
                   </a:txBody>
                   <a:tcPr marT="91425" marB="91425" marR="91425" marL="91425">
+                    <a:lnL cap="flat" cmpd="sng" w="9525">
+                      <a:solidFill>
+                        <a:srgbClr val="9E9E9E"/>
+                      </a:solidFill>
+                      <a:prstDash val="solid"/>
+                      <a:round/>
+                      <a:headEnd len="sm" w="sm" type="none"/>
+                      <a:tailEnd len="sm" w="sm" type="none"/>
+                    </a:lnL>
+                    <a:lnR cap="flat" cmpd="sng" w="9525">
+                      <a:solidFill>
+                        <a:srgbClr val="9E9E9E"/>
+                      </a:solidFill>
+                      <a:prstDash val="solid"/>
+                      <a:round/>
+                      <a:headEnd len="sm" w="sm" type="none"/>
+                      <a:tailEnd len="sm" w="sm" type="none"/>
+                    </a:lnR>
+                    <a:lnT cap="flat" cmpd="sng" w="9525">
+                      <a:solidFill>
+                        <a:srgbClr val="9E9E9E"/>
+                      </a:solidFill>
+                      <a:prstDash val="solid"/>
+                      <a:round/>
+                      <a:headEnd len="sm" w="sm" type="none"/>
+                      <a:tailEnd len="sm" w="sm" type="none"/>
+                    </a:lnT>
                     <a:lnB cap="flat" cmpd="sng" w="9525">
                       <a:solidFill>
                         <a:srgbClr val="9E9E9E"/>
@@ -20829,12 +21010,22 @@
                         <a:buNone/>
                       </a:pPr>
                       <a:r>
-                        <a:t/>
+                        <a:rPr lang="en"/>
+                        <a:t>4</a:t>
                       </a:r>
                       <a:endParaRPr/>
                     </a:p>
                   </a:txBody>
                   <a:tcPr marT="91425" marB="91425" marR="91425" marL="91425">
+                    <a:lnL cap="flat" cmpd="sng" w="9525">
+                      <a:solidFill>
+                        <a:srgbClr val="9E9E9E"/>
+                      </a:solidFill>
+                      <a:prstDash val="solid"/>
+                      <a:round/>
+                      <a:headEnd len="sm" w="sm" type="none"/>
+                      <a:tailEnd len="sm" w="sm" type="none"/>
+                    </a:lnL>
                     <a:lnB cap="flat" cmpd="sng" w="9525">
                       <a:solidFill>
                         <a:srgbClr val="9E9E9E"/>
@@ -20923,7 +21114,8 @@
                         <a:buNone/>
                       </a:pPr>
                       <a:r>
-                        <a:t/>
+                        <a:rPr lang="en"/>
+                        <a:t>37</a:t>
                       </a:r>
                       <a:endParaRPr/>
                     </a:p>
@@ -21042,425 +21234,8 @@
                         <a:buNone/>
                       </a:pPr>
                       <a:r>
-                        <a:t/>
-                      </a:r>
-                      <a:endParaRPr/>
-                    </a:p>
-                  </a:txBody>
-                  <a:tcPr marT="91425" marB="91425" marR="91425" marL="91425">
-                    <a:lnL cap="flat" cmpd="sng" w="9525">
-                      <a:solidFill>
-                        <a:srgbClr val="9E9E9E"/>
-                      </a:solidFill>
-                      <a:prstDash val="solid"/>
-                      <a:round/>
-                      <a:headEnd len="sm" w="sm" type="none"/>
-                      <a:tailEnd len="sm" w="sm" type="none"/>
-                    </a:lnL>
-                    <a:lnR cap="flat" cmpd="sng" w="9525">
-                      <a:solidFill>
-                        <a:srgbClr val="9E9E9E"/>
-                      </a:solidFill>
-                      <a:prstDash val="solid"/>
-                      <a:round/>
-                      <a:headEnd len="sm" w="sm" type="none"/>
-                      <a:tailEnd len="sm" w="sm" type="none"/>
-                    </a:lnR>
-                    <a:lnT cap="flat" cmpd="sng" w="9525">
-                      <a:solidFill>
-                        <a:srgbClr val="9E9E9E"/>
-                      </a:solidFill>
-                      <a:prstDash val="solid"/>
-                      <a:round/>
-                      <a:headEnd len="sm" w="sm" type="none"/>
-                      <a:tailEnd len="sm" w="sm" type="none"/>
-                    </a:lnT>
-                    <a:lnB cap="flat" cmpd="sng" w="9525">
-                      <a:solidFill>
-                        <a:srgbClr val="9E9E9E"/>
-                      </a:solidFill>
-                      <a:prstDash val="solid"/>
-                      <a:round/>
-                      <a:headEnd len="sm" w="sm" type="none"/>
-                      <a:tailEnd len="sm" w="sm" type="none"/>
-                    </a:lnB>
-                  </a:tcPr>
-                </a:tc>
-                <a:tc>
-                  <a:txBody>
-                    <a:bodyPr/>
-                    <a:lstStyle/>
-                    <a:p>
-                      <a:pPr indent="0" lvl="0" marL="0" rtl="0" algn="ctr">
-                        <a:spcBef>
-                          <a:spcPts val="0"/>
-                        </a:spcBef>
-                        <a:spcAft>
-                          <a:spcPts val="0"/>
-                        </a:spcAft>
-                        <a:buNone/>
-                      </a:pPr>
-                      <a:r>
                         <a:rPr lang="en"/>
-                        <a:t>* 2 +</a:t>
-                      </a:r>
-                      <a:endParaRPr/>
-                    </a:p>
-                  </a:txBody>
-                  <a:tcPr marT="91425" marB="91425" marR="91425" marL="91425">
-                    <a:lnL cap="flat" cmpd="sng" w="9525">
-                      <a:solidFill>
-                        <a:srgbClr val="9E9E9E"/>
-                      </a:solidFill>
-                      <a:prstDash val="solid"/>
-                      <a:round/>
-                      <a:headEnd len="sm" w="sm" type="none"/>
-                      <a:tailEnd len="sm" w="sm" type="none"/>
-                    </a:lnL>
-                    <a:lnR cap="flat" cmpd="sng" w="9525">
-                      <a:solidFill>
-                        <a:srgbClr val="9E9E9E"/>
-                      </a:solidFill>
-                      <a:prstDash val="solid"/>
-                      <a:round/>
-                      <a:headEnd len="sm" w="sm" type="none"/>
-                      <a:tailEnd len="sm" w="sm" type="none"/>
-                    </a:lnR>
-                    <a:lnT cap="flat" cmpd="sng" w="9525">
-                      <a:solidFill>
-                        <a:srgbClr val="9E9E9E"/>
-                      </a:solidFill>
-                      <a:prstDash val="solid"/>
-                      <a:round/>
-                      <a:headEnd len="sm" w="sm" type="none"/>
-                      <a:tailEnd len="sm" w="sm" type="none"/>
-                    </a:lnT>
-                    <a:lnB cap="flat" cmpd="sng" w="9525">
-                      <a:solidFill>
-                        <a:srgbClr val="9E9E9E"/>
-                      </a:solidFill>
-                      <a:prstDash val="solid"/>
-                      <a:round/>
-                      <a:headEnd len="sm" w="sm" type="none"/>
-                      <a:tailEnd len="sm" w="sm" type="none"/>
-                    </a:lnB>
-                  </a:tcPr>
-                </a:tc>
-                <a:tc>
-                  <a:txBody>
-                    <a:bodyPr/>
-                    <a:lstStyle/>
-                    <a:p>
-                      <a:pPr indent="0" lvl="0" marL="0" rtl="0" algn="l">
-                        <a:spcBef>
-                          <a:spcPts val="0"/>
-                        </a:spcBef>
-                        <a:spcAft>
-                          <a:spcPts val="0"/>
-                        </a:spcAft>
-                        <a:buNone/>
-                      </a:pPr>
-                      <a:r>
-                        <a:t/>
-                      </a:r>
-                      <a:endParaRPr/>
-                    </a:p>
-                  </a:txBody>
-                  <a:tcPr marT="91425" marB="91425" marR="91425" marL="91425">
-                    <a:lnL cap="flat" cmpd="sng" w="9525">
-                      <a:solidFill>
-                        <a:srgbClr val="9E9E9E"/>
-                      </a:solidFill>
-                      <a:prstDash val="solid"/>
-                      <a:round/>
-                      <a:headEnd len="sm" w="sm" type="none"/>
-                      <a:tailEnd len="sm" w="sm" type="none"/>
-                    </a:lnL>
-                    <a:lnR cap="flat" cmpd="sng" w="9525">
-                      <a:solidFill>
-                        <a:srgbClr val="9E9E9E"/>
-                      </a:solidFill>
-                      <a:prstDash val="solid"/>
-                      <a:round/>
-                      <a:headEnd len="sm" w="sm" type="none"/>
-                      <a:tailEnd len="sm" w="sm" type="none"/>
-                    </a:lnR>
-                    <a:lnT cap="flat" cmpd="sng" w="9525">
-                      <a:solidFill>
-                        <a:srgbClr val="9E9E9E"/>
-                      </a:solidFill>
-                      <a:prstDash val="solid"/>
-                      <a:round/>
-                      <a:headEnd len="sm" w="sm" type="none"/>
-                      <a:tailEnd len="sm" w="sm" type="none"/>
-                    </a:lnT>
-                    <a:lnB cap="flat" cmpd="sng" w="9525">
-                      <a:solidFill>
-                        <a:srgbClr val="9E9E9E"/>
-                      </a:solidFill>
-                      <a:prstDash val="solid"/>
-                      <a:round/>
-                      <a:headEnd len="sm" w="sm" type="none"/>
-                      <a:tailEnd len="sm" w="sm" type="none"/>
-                    </a:lnB>
-                  </a:tcPr>
-                </a:tc>
-                <a:tc>
-                  <a:txBody>
-                    <a:bodyPr/>
-                    <a:lstStyle/>
-                    <a:p>
-                      <a:pPr indent="0" lvl="0" marL="0" rtl="0" algn="l">
-                        <a:spcBef>
-                          <a:spcPts val="0"/>
-                        </a:spcBef>
-                        <a:spcAft>
-                          <a:spcPts val="0"/>
-                        </a:spcAft>
-                        <a:buNone/>
-                      </a:pPr>
-                      <a:r>
-                        <a:t/>
-                      </a:r>
-                      <a:endParaRPr/>
-                    </a:p>
-                  </a:txBody>
-                  <a:tcPr marT="91425" marB="91425" marR="91425" marL="91425">
-                    <a:lnL cap="flat" cmpd="sng" w="9525">
-                      <a:solidFill>
-                        <a:srgbClr val="9E9E9E"/>
-                      </a:solidFill>
-                      <a:prstDash val="solid"/>
-                      <a:round/>
-                      <a:headEnd len="sm" w="sm" type="none"/>
-                      <a:tailEnd len="sm" w="sm" type="none"/>
-                    </a:lnL>
-                    <a:lnR cap="flat" cmpd="sng" w="9525">
-                      <a:solidFill>
-                        <a:srgbClr val="9E9E9E"/>
-                      </a:solidFill>
-                      <a:prstDash val="solid"/>
-                      <a:round/>
-                      <a:headEnd len="sm" w="sm" type="none"/>
-                      <a:tailEnd len="sm" w="sm" type="none"/>
-                    </a:lnR>
-                    <a:lnT cap="flat" cmpd="sng" w="9525">
-                      <a:solidFill>
-                        <a:srgbClr val="9E9E9E"/>
-                      </a:solidFill>
-                      <a:prstDash val="solid"/>
-                      <a:round/>
-                      <a:headEnd len="sm" w="sm" type="none"/>
-                      <a:tailEnd len="sm" w="sm" type="none"/>
-                    </a:lnT>
-                    <a:lnB cap="flat" cmpd="sng" w="9525">
-                      <a:solidFill>
-                        <a:srgbClr val="9E9E9E"/>
-                      </a:solidFill>
-                      <a:prstDash val="solid"/>
-                      <a:round/>
-                      <a:headEnd len="sm" w="sm" type="none"/>
-                      <a:tailEnd len="sm" w="sm" type="none"/>
-                    </a:lnB>
-                  </a:tcPr>
-                </a:tc>
-              </a:tr>
-              <a:tr h="381000">
-                <a:tc>
-                  <a:txBody>
-                    <a:bodyPr/>
-                    <a:lstStyle/>
-                    <a:p>
-                      <a:pPr indent="0" lvl="0" marL="0" rtl="0" algn="l">
-                        <a:spcBef>
-                          <a:spcPts val="0"/>
-                        </a:spcBef>
-                        <a:spcAft>
-                          <a:spcPts val="0"/>
-                        </a:spcAft>
-                        <a:buNone/>
-                      </a:pPr>
-                      <a:r>
-                        <a:rPr lang="en"/>
-                        <a:t>v:</a:t>
-                      </a:r>
-                      <a:endParaRPr/>
-                    </a:p>
-                  </a:txBody>
-                  <a:tcPr marT="91425" marB="91425" marR="91425" marL="91425">
-                    <a:lnL cap="flat" cmpd="sng" w="9525">
-                      <a:solidFill>
-                        <a:srgbClr val="9E9E9E"/>
-                      </a:solidFill>
-                      <a:prstDash val="solid"/>
-                      <a:round/>
-                      <a:headEnd len="sm" w="sm" type="none"/>
-                      <a:tailEnd len="sm" w="sm" type="none"/>
-                    </a:lnL>
-                    <a:lnR cap="flat" cmpd="sng" w="9525">
-                      <a:solidFill>
-                        <a:srgbClr val="9E9E9E"/>
-                      </a:solidFill>
-                      <a:prstDash val="solid"/>
-                      <a:round/>
-                      <a:headEnd len="sm" w="sm" type="none"/>
-                      <a:tailEnd len="sm" w="sm" type="none"/>
-                    </a:lnR>
-                    <a:lnT cap="flat" cmpd="sng" w="9525">
-                      <a:solidFill>
-                        <a:srgbClr val="9E9E9E"/>
-                      </a:solidFill>
-                      <a:prstDash val="solid"/>
-                      <a:round/>
-                      <a:headEnd len="sm" w="sm" type="none"/>
-                      <a:tailEnd len="sm" w="sm" type="none"/>
-                    </a:lnT>
-                    <a:lnB cap="flat" cmpd="sng" w="9525">
-                      <a:solidFill>
-                        <a:srgbClr val="9E9E9E"/>
-                      </a:solidFill>
-                      <a:prstDash val="solid"/>
-                      <a:round/>
-                      <a:headEnd len="sm" w="sm" type="none"/>
-                      <a:tailEnd len="sm" w="sm" type="none"/>
-                    </a:lnB>
-                  </a:tcPr>
-                </a:tc>
-                <a:tc>
-                  <a:txBody>
-                    <a:bodyPr/>
-                    <a:lstStyle/>
-                    <a:p>
-                      <a:pPr indent="0" lvl="0" marL="0" rtl="0" algn="l">
-                        <a:spcBef>
-                          <a:spcPts val="0"/>
-                        </a:spcBef>
-                        <a:spcAft>
-                          <a:spcPts val="0"/>
-                        </a:spcAft>
-                        <a:buNone/>
-                      </a:pPr>
-                      <a:r>
-                        <a:t/>
-                      </a:r>
-                      <a:endParaRPr/>
-                    </a:p>
-                  </a:txBody>
-                  <a:tcPr marT="91425" marB="91425" marR="91425" marL="91425">
-                    <a:lnL cap="flat" cmpd="sng" w="9525">
-                      <a:solidFill>
-                        <a:srgbClr val="9E9E9E"/>
-                      </a:solidFill>
-                      <a:prstDash val="solid"/>
-                      <a:round/>
-                      <a:headEnd len="sm" w="sm" type="none"/>
-                      <a:tailEnd len="sm" w="sm" type="none"/>
-                    </a:lnL>
-                    <a:lnR cap="flat" cmpd="sng" w="9525">
-                      <a:solidFill>
-                        <a:srgbClr val="9E9E9E"/>
-                      </a:solidFill>
-                      <a:prstDash val="solid"/>
-                      <a:round/>
-                      <a:headEnd len="sm" w="sm" type="none"/>
-                      <a:tailEnd len="sm" w="sm" type="none"/>
-                    </a:lnR>
-                    <a:lnT cap="flat" cmpd="sng" w="9525">
-                      <a:solidFill>
-                        <a:srgbClr val="9E9E9E"/>
-                      </a:solidFill>
-                      <a:prstDash val="solid"/>
-                      <a:round/>
-                      <a:headEnd len="sm" w="sm" type="none"/>
-                      <a:tailEnd len="sm" w="sm" type="none"/>
-                    </a:lnT>
-                    <a:lnB cap="flat" cmpd="sng" w="9525">
-                      <a:solidFill>
-                        <a:srgbClr val="9E9E9E"/>
-                      </a:solidFill>
-                      <a:prstDash val="solid"/>
-                      <a:round/>
-                      <a:headEnd len="sm" w="sm" type="none"/>
-                      <a:tailEnd len="sm" w="sm" type="none"/>
-                    </a:lnB>
-                  </a:tcPr>
-                </a:tc>
-                <a:tc>
-                  <a:txBody>
-                    <a:bodyPr/>
-                    <a:lstStyle/>
-                    <a:p>
-                      <a:pPr indent="0" lvl="0" marL="0" rtl="0" algn="ctr">
-                        <a:spcBef>
-                          <a:spcPts val="0"/>
-                        </a:spcBef>
-                        <a:spcAft>
-                          <a:spcPts val="0"/>
-                        </a:spcAft>
-                        <a:buNone/>
-                      </a:pPr>
-                      <a:r>
-                        <a:rPr lang="en"/>
-                        <a:t>=</a:t>
-                      </a:r>
-                      <a:endParaRPr/>
-                    </a:p>
-                  </a:txBody>
-                  <a:tcPr marT="91425" marB="91425" marR="91425" marL="91425">
-                    <a:lnL cap="flat" cmpd="sng" w="9525">
-                      <a:solidFill>
-                        <a:srgbClr val="9E9E9E"/>
-                      </a:solidFill>
-                      <a:prstDash val="solid"/>
-                      <a:round/>
-                      <a:headEnd len="sm" w="sm" type="none"/>
-                      <a:tailEnd len="sm" w="sm" type="none"/>
-                    </a:lnL>
-                    <a:lnR cap="flat" cmpd="sng" w="9525">
-                      <a:solidFill>
-                        <a:srgbClr val="9E9E9E"/>
-                      </a:solidFill>
-                      <a:prstDash val="solid"/>
-                      <a:round/>
-                      <a:headEnd len="sm" w="sm" type="none"/>
-                      <a:tailEnd len="sm" w="sm" type="none"/>
-                    </a:lnR>
-                    <a:lnT cap="flat" cmpd="sng" w="9525">
-                      <a:solidFill>
-                        <a:srgbClr val="9E9E9E"/>
-                      </a:solidFill>
-                      <a:prstDash val="solid"/>
-                      <a:round/>
-                      <a:headEnd len="sm" w="sm" type="none"/>
-                      <a:tailEnd len="sm" w="sm" type="none"/>
-                    </a:lnT>
-                    <a:lnB cap="flat" cmpd="sng" w="9525">
-                      <a:solidFill>
-                        <a:srgbClr val="9E9E9E"/>
-                      </a:solidFill>
-                      <a:prstDash val="solid"/>
-                      <a:round/>
-                      <a:headEnd len="sm" w="sm" type="none"/>
-                      <a:tailEnd len="sm" w="sm" type="none"/>
-                    </a:lnB>
-                  </a:tcPr>
-                </a:tc>
-                <a:tc>
-                  <a:txBody>
-                    <a:bodyPr/>
-                    <a:lstStyle/>
-                    <a:p>
-                      <a:pPr indent="0" lvl="0" marL="0" rtl="0" algn="l">
-                        <a:spcBef>
-                          <a:spcPts val="0"/>
-                        </a:spcBef>
-                        <a:spcAft>
-                          <a:spcPts val="0"/>
-                        </a:spcAft>
-                        <a:buNone/>
-                      </a:pPr>
-                      <a:r>
-                        <a:t/>
+                        <a:t>4</a:t>
                       </a:r>
                       <a:endParaRPr/>
                     </a:p>
@@ -21529,7 +21304,7 @@
                             <a:schemeClr val="dk1"/>
                           </a:solidFill>
                         </a:rPr>
-                        <a:t>* 2 +</a:t>
+                        <a:t>* 8 +</a:t>
                       </a:r>
                       <a:endParaRPr/>
                     </a:p>
@@ -21588,7 +21363,8 @@
                         <a:buNone/>
                       </a:pPr>
                       <a:r>
-                        <a:t/>
+                        <a:rPr lang="en"/>
+                        <a:t>5</a:t>
                       </a:r>
                       <a:endParaRPr/>
                     </a:p>
@@ -21647,7 +21423,439 @@
                         <a:buNone/>
                       </a:pPr>
                       <a:r>
-                        <a:t/>
+                        <a:rPr lang="en"/>
+                        <a:t>5</a:t>
+                      </a:r>
+                      <a:endParaRPr/>
+                    </a:p>
+                  </a:txBody>
+                  <a:tcPr marT="91425" marB="91425" marR="91425" marL="91425">
+                    <a:lnL cap="flat" cmpd="sng" w="9525">
+                      <a:solidFill>
+                        <a:srgbClr val="9E9E9E"/>
+                      </a:solidFill>
+                      <a:prstDash val="solid"/>
+                      <a:round/>
+                      <a:headEnd len="sm" w="sm" type="none"/>
+                      <a:tailEnd len="sm" w="sm" type="none"/>
+                    </a:lnL>
+                    <a:lnR cap="flat" cmpd="sng" w="9525">
+                      <a:solidFill>
+                        <a:srgbClr val="9E9E9E"/>
+                      </a:solidFill>
+                      <a:prstDash val="solid"/>
+                      <a:round/>
+                      <a:headEnd len="sm" w="sm" type="none"/>
+                      <a:tailEnd len="sm" w="sm" type="none"/>
+                    </a:lnR>
+                    <a:lnT cap="flat" cmpd="sng" w="9525">
+                      <a:solidFill>
+                        <a:srgbClr val="9E9E9E"/>
+                      </a:solidFill>
+                      <a:prstDash val="solid"/>
+                      <a:round/>
+                      <a:headEnd len="sm" w="sm" type="none"/>
+                      <a:tailEnd len="sm" w="sm" type="none"/>
+                    </a:lnT>
+                    <a:lnB cap="flat" cmpd="sng" w="9525">
+                      <a:solidFill>
+                        <a:srgbClr val="9E9E9E"/>
+                      </a:solidFill>
+                      <a:prstDash val="solid"/>
+                      <a:round/>
+                      <a:headEnd len="sm" w="sm" type="none"/>
+                      <a:tailEnd len="sm" w="sm" type="none"/>
+                    </a:lnB>
+                  </a:tcPr>
+                </a:tc>
+              </a:tr>
+              <a:tr h="381000">
+                <a:tc>
+                  <a:txBody>
+                    <a:bodyPr/>
+                    <a:lstStyle/>
+                    <a:p>
+                      <a:pPr indent="0" lvl="0" marL="0" rtl="0" algn="l">
+                        <a:spcBef>
+                          <a:spcPts val="0"/>
+                        </a:spcBef>
+                        <a:spcAft>
+                          <a:spcPts val="0"/>
+                        </a:spcAft>
+                        <a:buNone/>
+                      </a:pPr>
+                      <a:r>
+                        <a:rPr lang="en"/>
+                        <a:t>v:</a:t>
+                      </a:r>
+                      <a:endParaRPr/>
+                    </a:p>
+                  </a:txBody>
+                  <a:tcPr marT="91425" marB="91425" marR="91425" marL="91425">
+                    <a:lnL cap="flat" cmpd="sng" w="9525">
+                      <a:solidFill>
+                        <a:srgbClr val="9E9E9E"/>
+                      </a:solidFill>
+                      <a:prstDash val="solid"/>
+                      <a:round/>
+                      <a:headEnd len="sm" w="sm" type="none"/>
+                      <a:tailEnd len="sm" w="sm" type="none"/>
+                    </a:lnL>
+                    <a:lnR cap="flat" cmpd="sng" w="9525">
+                      <a:solidFill>
+                        <a:srgbClr val="9E9E9E"/>
+                      </a:solidFill>
+                      <a:prstDash val="solid"/>
+                      <a:round/>
+                      <a:headEnd len="sm" w="sm" type="none"/>
+                      <a:tailEnd len="sm" w="sm" type="none"/>
+                    </a:lnR>
+                    <a:lnT cap="flat" cmpd="sng" w="9525">
+                      <a:solidFill>
+                        <a:srgbClr val="9E9E9E"/>
+                      </a:solidFill>
+                      <a:prstDash val="solid"/>
+                      <a:round/>
+                      <a:headEnd len="sm" w="sm" type="none"/>
+                      <a:tailEnd len="sm" w="sm" type="none"/>
+                    </a:lnT>
+                    <a:lnB cap="flat" cmpd="sng" w="9525">
+                      <a:solidFill>
+                        <a:srgbClr val="9E9E9E"/>
+                      </a:solidFill>
+                      <a:prstDash val="solid"/>
+                      <a:round/>
+                      <a:headEnd len="sm" w="sm" type="none"/>
+                      <a:tailEnd len="sm" w="sm" type="none"/>
+                    </a:lnB>
+                  </a:tcPr>
+                </a:tc>
+                <a:tc>
+                  <a:txBody>
+                    <a:bodyPr/>
+                    <a:lstStyle/>
+                    <a:p>
+                      <a:pPr indent="0" lvl="0" marL="0" rtl="0" algn="l">
+                        <a:spcBef>
+                          <a:spcPts val="0"/>
+                        </a:spcBef>
+                        <a:spcAft>
+                          <a:spcPts val="0"/>
+                        </a:spcAft>
+                        <a:buNone/>
+                      </a:pPr>
+                      <a:r>
+                        <a:rPr lang="en"/>
+                        <a:t>299</a:t>
+                      </a:r>
+                      <a:endParaRPr/>
+                    </a:p>
+                  </a:txBody>
+                  <a:tcPr marT="91425" marB="91425" marR="91425" marL="91425">
+                    <a:lnL cap="flat" cmpd="sng" w="9525">
+                      <a:solidFill>
+                        <a:srgbClr val="9E9E9E"/>
+                      </a:solidFill>
+                      <a:prstDash val="solid"/>
+                      <a:round/>
+                      <a:headEnd len="sm" w="sm" type="none"/>
+                      <a:tailEnd len="sm" w="sm" type="none"/>
+                    </a:lnL>
+                    <a:lnR cap="flat" cmpd="sng" w="9525">
+                      <a:solidFill>
+                        <a:srgbClr val="9E9E9E"/>
+                      </a:solidFill>
+                      <a:prstDash val="solid"/>
+                      <a:round/>
+                      <a:headEnd len="sm" w="sm" type="none"/>
+                      <a:tailEnd len="sm" w="sm" type="none"/>
+                    </a:lnR>
+                    <a:lnT cap="flat" cmpd="sng" w="9525">
+                      <a:solidFill>
+                        <a:srgbClr val="9E9E9E"/>
+                      </a:solidFill>
+                      <a:prstDash val="solid"/>
+                      <a:round/>
+                      <a:headEnd len="sm" w="sm" type="none"/>
+                      <a:tailEnd len="sm" w="sm" type="none"/>
+                    </a:lnT>
+                    <a:lnB cap="flat" cmpd="sng" w="9525">
+                      <a:solidFill>
+                        <a:srgbClr val="9E9E9E"/>
+                      </a:solidFill>
+                      <a:prstDash val="solid"/>
+                      <a:round/>
+                      <a:headEnd len="sm" w="sm" type="none"/>
+                      <a:tailEnd len="sm" w="sm" type="none"/>
+                    </a:lnB>
+                  </a:tcPr>
+                </a:tc>
+                <a:tc>
+                  <a:txBody>
+                    <a:bodyPr/>
+                    <a:lstStyle/>
+                    <a:p>
+                      <a:pPr indent="0" lvl="0" marL="0" rtl="0" algn="ctr">
+                        <a:spcBef>
+                          <a:spcPts val="0"/>
+                        </a:spcBef>
+                        <a:spcAft>
+                          <a:spcPts val="0"/>
+                        </a:spcAft>
+                        <a:buNone/>
+                      </a:pPr>
+                      <a:r>
+                        <a:rPr lang="en"/>
+                        <a:t>=</a:t>
+                      </a:r>
+                      <a:endParaRPr/>
+                    </a:p>
+                  </a:txBody>
+                  <a:tcPr marT="91425" marB="91425" marR="91425" marL="91425">
+                    <a:lnL cap="flat" cmpd="sng" w="9525">
+                      <a:solidFill>
+                        <a:srgbClr val="9E9E9E"/>
+                      </a:solidFill>
+                      <a:prstDash val="solid"/>
+                      <a:round/>
+                      <a:headEnd len="sm" w="sm" type="none"/>
+                      <a:tailEnd len="sm" w="sm" type="none"/>
+                    </a:lnL>
+                    <a:lnR cap="flat" cmpd="sng" w="9525">
+                      <a:solidFill>
+                        <a:srgbClr val="9E9E9E"/>
+                      </a:solidFill>
+                      <a:prstDash val="solid"/>
+                      <a:round/>
+                      <a:headEnd len="sm" w="sm" type="none"/>
+                      <a:tailEnd len="sm" w="sm" type="none"/>
+                    </a:lnR>
+                    <a:lnT cap="flat" cmpd="sng" w="9525">
+                      <a:solidFill>
+                        <a:srgbClr val="9E9E9E"/>
+                      </a:solidFill>
+                      <a:prstDash val="solid"/>
+                      <a:round/>
+                      <a:headEnd len="sm" w="sm" type="none"/>
+                      <a:tailEnd len="sm" w="sm" type="none"/>
+                    </a:lnT>
+                    <a:lnB cap="flat" cmpd="sng" w="9525">
+                      <a:solidFill>
+                        <a:srgbClr val="9E9E9E"/>
+                      </a:solidFill>
+                      <a:prstDash val="solid"/>
+                      <a:round/>
+                      <a:headEnd len="sm" w="sm" type="none"/>
+                      <a:tailEnd len="sm" w="sm" type="none"/>
+                    </a:lnB>
+                  </a:tcPr>
+                </a:tc>
+                <a:tc>
+                  <a:txBody>
+                    <a:bodyPr/>
+                    <a:lstStyle/>
+                    <a:p>
+                      <a:pPr indent="0" lvl="0" marL="0" rtl="0" algn="l">
+                        <a:spcBef>
+                          <a:spcPts val="0"/>
+                        </a:spcBef>
+                        <a:spcAft>
+                          <a:spcPts val="0"/>
+                        </a:spcAft>
+                        <a:buNone/>
+                      </a:pPr>
+                      <a:r>
+                        <a:rPr lang="en"/>
+                        <a:t>37</a:t>
+                      </a:r>
+                      <a:endParaRPr/>
+                    </a:p>
+                  </a:txBody>
+                  <a:tcPr marT="91425" marB="91425" marR="91425" marL="91425">
+                    <a:lnL cap="flat" cmpd="sng" w="9525">
+                      <a:solidFill>
+                        <a:srgbClr val="9E9E9E"/>
+                      </a:solidFill>
+                      <a:prstDash val="solid"/>
+                      <a:round/>
+                      <a:headEnd len="sm" w="sm" type="none"/>
+                      <a:tailEnd len="sm" w="sm" type="none"/>
+                    </a:lnL>
+                    <a:lnR cap="flat" cmpd="sng" w="9525">
+                      <a:solidFill>
+                        <a:srgbClr val="9E9E9E"/>
+                      </a:solidFill>
+                      <a:prstDash val="solid"/>
+                      <a:round/>
+                      <a:headEnd len="sm" w="sm" type="none"/>
+                      <a:tailEnd len="sm" w="sm" type="none"/>
+                    </a:lnR>
+                    <a:lnT cap="flat" cmpd="sng" w="9525">
+                      <a:solidFill>
+                        <a:srgbClr val="9E9E9E"/>
+                      </a:solidFill>
+                      <a:prstDash val="solid"/>
+                      <a:round/>
+                      <a:headEnd len="sm" w="sm" type="none"/>
+                      <a:tailEnd len="sm" w="sm" type="none"/>
+                    </a:lnT>
+                    <a:lnB cap="flat" cmpd="sng" w="9525">
+                      <a:solidFill>
+                        <a:srgbClr val="9E9E9E"/>
+                      </a:solidFill>
+                      <a:prstDash val="solid"/>
+                      <a:round/>
+                      <a:headEnd len="sm" w="sm" type="none"/>
+                      <a:tailEnd len="sm" w="sm" type="none"/>
+                    </a:lnB>
+                  </a:tcPr>
+                </a:tc>
+                <a:tc>
+                  <a:txBody>
+                    <a:bodyPr/>
+                    <a:lstStyle/>
+                    <a:p>
+                      <a:pPr indent="0" lvl="0" marL="0" rtl="0" algn="ctr">
+                        <a:spcBef>
+                          <a:spcPts val="0"/>
+                        </a:spcBef>
+                        <a:spcAft>
+                          <a:spcPts val="0"/>
+                        </a:spcAft>
+                        <a:buClr>
+                          <a:schemeClr val="dk1"/>
+                        </a:buClr>
+                        <a:buSzPts val="1100"/>
+                        <a:buFont typeface="Arial"/>
+                        <a:buNone/>
+                      </a:pPr>
+                      <a:r>
+                        <a:rPr lang="en">
+                          <a:solidFill>
+                            <a:schemeClr val="dk1"/>
+                          </a:solidFill>
+                        </a:rPr>
+                        <a:t>* 8 +</a:t>
+                      </a:r>
+                      <a:endParaRPr/>
+                    </a:p>
+                  </a:txBody>
+                  <a:tcPr marT="91425" marB="91425" marR="91425" marL="91425">
+                    <a:lnL cap="flat" cmpd="sng" w="9525">
+                      <a:solidFill>
+                        <a:srgbClr val="9E9E9E"/>
+                      </a:solidFill>
+                      <a:prstDash val="solid"/>
+                      <a:round/>
+                      <a:headEnd len="sm" w="sm" type="none"/>
+                      <a:tailEnd len="sm" w="sm" type="none"/>
+                    </a:lnL>
+                    <a:lnR cap="flat" cmpd="sng" w="9525">
+                      <a:solidFill>
+                        <a:srgbClr val="9E9E9E"/>
+                      </a:solidFill>
+                      <a:prstDash val="solid"/>
+                      <a:round/>
+                      <a:headEnd len="sm" w="sm" type="none"/>
+                      <a:tailEnd len="sm" w="sm" type="none"/>
+                    </a:lnR>
+                    <a:lnT cap="flat" cmpd="sng" w="9525">
+                      <a:solidFill>
+                        <a:srgbClr val="9E9E9E"/>
+                      </a:solidFill>
+                      <a:prstDash val="solid"/>
+                      <a:round/>
+                      <a:headEnd len="sm" w="sm" type="none"/>
+                      <a:tailEnd len="sm" w="sm" type="none"/>
+                    </a:lnT>
+                    <a:lnB cap="flat" cmpd="sng" w="9525">
+                      <a:solidFill>
+                        <a:srgbClr val="9E9E9E"/>
+                      </a:solidFill>
+                      <a:prstDash val="solid"/>
+                      <a:round/>
+                      <a:headEnd len="sm" w="sm" type="none"/>
+                      <a:tailEnd len="sm" w="sm" type="none"/>
+                    </a:lnB>
+                  </a:tcPr>
+                </a:tc>
+                <a:tc>
+                  <a:txBody>
+                    <a:bodyPr/>
+                    <a:lstStyle/>
+                    <a:p>
+                      <a:pPr indent="0" lvl="0" marL="0" rtl="0" algn="l">
+                        <a:spcBef>
+                          <a:spcPts val="0"/>
+                        </a:spcBef>
+                        <a:spcAft>
+                          <a:spcPts val="0"/>
+                        </a:spcAft>
+                        <a:buNone/>
+                      </a:pPr>
+                      <a:r>
+                        <a:rPr lang="en"/>
+                        <a:t>3</a:t>
+                      </a:r>
+                      <a:endParaRPr/>
+                    </a:p>
+                  </a:txBody>
+                  <a:tcPr marT="91425" marB="91425" marR="91425" marL="91425">
+                    <a:lnL cap="flat" cmpd="sng" w="9525">
+                      <a:solidFill>
+                        <a:srgbClr val="9E9E9E"/>
+                      </a:solidFill>
+                      <a:prstDash val="solid"/>
+                      <a:round/>
+                      <a:headEnd len="sm" w="sm" type="none"/>
+                      <a:tailEnd len="sm" w="sm" type="none"/>
+                    </a:lnL>
+                    <a:lnR cap="flat" cmpd="sng" w="9525">
+                      <a:solidFill>
+                        <a:srgbClr val="9E9E9E"/>
+                      </a:solidFill>
+                      <a:prstDash val="solid"/>
+                      <a:round/>
+                      <a:headEnd len="sm" w="sm" type="none"/>
+                      <a:tailEnd len="sm" w="sm" type="none"/>
+                    </a:lnR>
+                    <a:lnT cap="flat" cmpd="sng" w="9525">
+                      <a:solidFill>
+                        <a:srgbClr val="9E9E9E"/>
+                      </a:solidFill>
+                      <a:prstDash val="solid"/>
+                      <a:round/>
+                      <a:headEnd len="sm" w="sm" type="none"/>
+                      <a:tailEnd len="sm" w="sm" type="none"/>
+                    </a:lnT>
+                    <a:lnB cap="flat" cmpd="sng" w="9525">
+                      <a:solidFill>
+                        <a:srgbClr val="9E9E9E"/>
+                      </a:solidFill>
+                      <a:prstDash val="solid"/>
+                      <a:round/>
+                      <a:headEnd len="sm" w="sm" type="none"/>
+                      <a:tailEnd len="sm" w="sm" type="none"/>
+                    </a:lnB>
+                  </a:tcPr>
+                </a:tc>
+                <a:tc>
+                  <a:txBody>
+                    <a:bodyPr/>
+                    <a:lstStyle/>
+                    <a:p>
+                      <a:pPr indent="0" lvl="0" marL="0" rtl="0" algn="l">
+                        <a:spcBef>
+                          <a:spcPts val="0"/>
+                        </a:spcBef>
+                        <a:spcAft>
+                          <a:spcPts val="0"/>
+                        </a:spcAft>
+                        <a:buNone/>
+                      </a:pPr>
+                      <a:r>
+                        <a:rPr lang="en"/>
+                        <a:t>3</a:t>
                       </a:r>
                       <a:endParaRPr/>
                     </a:p>
@@ -24940,16 +25148,7 @@
                 <a:cs typeface="Source Code Pro"/>
                 <a:sym typeface="Source Code Pro"/>
               </a:rPr>
-              <a:t>10</a:t>
-            </a:r>
-            <a:r>
-              <a:rPr i="1" lang="en">
-                <a:latin typeface="Source Code Pro"/>
-                <a:ea typeface="Source Code Pro"/>
-                <a:cs typeface="Source Code Pro"/>
-                <a:sym typeface="Source Code Pro"/>
-              </a:rPr>
-              <a:t> </a:t>
+              <a:t>10 </a:t>
             </a:r>
             <a:r>
               <a:rPr lang="en">
@@ -24958,7 +25157,16 @@
                 <a:cs typeface="Source Code Pro"/>
                 <a:sym typeface="Source Code Pro"/>
               </a:rPr>
-              <a:t>** stringlength(fractional)</a:t>
+              <a:t>** </a:t>
+            </a:r>
+            <a:r>
+              <a:rPr lang="en">
+                <a:latin typeface="Source Code Pro"/>
+                <a:ea typeface="Source Code Pro"/>
+                <a:cs typeface="Source Code Pro"/>
+                <a:sym typeface="Source Code Pro"/>
+              </a:rPr>
+              <a:t>stringlength(fractional)</a:t>
             </a:r>
             <a:br>
               <a:rPr lang="en">
@@ -25331,7 +25539,7 @@
             </a:pPr>
             <a:r>
               <a:rPr lang="en"/>
-              <a:t>Split the number at the radix point:  </a:t>
+              <a:t>Split the number at the radix point:  - </a:t>
             </a:r>
             <a:r>
               <a:rPr i="1" lang="en"/>
@@ -25486,7 +25694,7 @@
             </a:pPr>
             <a:r>
               <a:rPr lang="en"/>
-              <a:t>Example: 39.234								</a:t>
+              <a:t>Example: - 39.234								</a:t>
             </a:r>
             <a:r>
               <a:rPr lang="en"/>
@@ -25902,7 +26110,7 @@
         </p:nvSpPr>
         <p:spPr>
           <a:xfrm>
-            <a:off x="826050" y="4345200"/>
+            <a:off x="826975" y="4345200"/>
             <a:ext cx="2786400" cy="400200"/>
           </a:xfrm>
           <a:prstGeom prst="rect">
@@ -25935,11 +26143,7 @@
               <a:buNone/>
             </a:pPr>
             <a:r>
-              <a:rPr lang="en">
-                <a:solidFill>
-                  <a:schemeClr val="dk1"/>
-                </a:solidFill>
-              </a:rPr>
+              <a:rPr lang="en"/>
               <a:t>100111</a:t>
             </a:r>
             <a:endParaRPr/>
@@ -25994,6 +26198,54 @@
           </a:p>
         </p:txBody>
       </p:sp>
+      <p:sp>
+        <p:nvSpPr>
+          <p:cNvPr id="146" name="Google Shape;146;p20"/>
+          <p:cNvSpPr txBox="1"/>
+          <p:nvPr/>
+        </p:nvSpPr>
+        <p:spPr>
+          <a:xfrm>
+            <a:off x="820375" y="4345200"/>
+            <a:ext cx="387600" cy="400200"/>
+          </a:xfrm>
+          <a:prstGeom prst="rect">
+            <a:avLst/>
+          </a:prstGeom>
+          <a:noFill/>
+          <a:ln cap="flat" cmpd="sng" w="9525">
+            <a:solidFill>
+              <a:srgbClr val="000000"/>
+            </a:solidFill>
+            <a:prstDash val="solid"/>
+            <a:round/>
+            <a:headEnd len="sm" w="sm" type="none"/>
+            <a:tailEnd len="sm" w="sm" type="none"/>
+          </a:ln>
+        </p:spPr>
+        <p:txBody>
+          <a:bodyPr anchorCtr="0" anchor="b" bIns="91425" lIns="91425" spcFirstLastPara="1" rIns="91425" wrap="square" tIns="91425">
+            <a:spAutoFit/>
+          </a:bodyPr>
+          <a:lstStyle/>
+          <a:p>
+            <a:pPr indent="0" lvl="0" marL="0" rtl="0" algn="r">
+              <a:spcBef>
+                <a:spcPts val="0"/>
+              </a:spcBef>
+              <a:spcAft>
+                <a:spcPts val="0"/>
+              </a:spcAft>
+              <a:buNone/>
+            </a:pPr>
+            <a:r>
+              <a:rPr lang="en"/>
+              <a:t>-</a:t>
+            </a:r>
+            <a:endParaRPr/>
+          </a:p>
+        </p:txBody>
+      </p:sp>
     </p:spTree>
   </p:cSld>
   <p:clrMapOvr>
@@ -26007,7 +26259,7 @@
   <p:cSld>
     <p:spTree>
       <p:nvGrpSpPr>
-        <p:cNvPr id="149" name="Shape 149"/>
+        <p:cNvPr id="150" name="Shape 150"/>
         <p:cNvGrpSpPr/>
         <p:nvPr/>
       </p:nvGrpSpPr>
@@ -26021,7 +26273,7 @@
       </p:grpSpPr>
       <p:sp>
         <p:nvSpPr>
-          <p:cNvPr id="150" name="Google Shape;150;p21"/>
+          <p:cNvPr id="151" name="Google Shape;151;p21"/>
           <p:cNvSpPr txBox="1"/>
           <p:nvPr>
             <p:ph idx="1" type="body"/>
@@ -26173,7 +26425,7 @@
       </p:sp>
       <p:sp>
         <p:nvSpPr>
-          <p:cNvPr id="151" name="Google Shape;151;p21"/>
+          <p:cNvPr id="152" name="Google Shape;152;p21"/>
           <p:cNvSpPr txBox="1"/>
           <p:nvPr>
             <p:ph type="title"/>
@@ -26205,7 +26457,7 @@
             </a:pPr>
             <a:r>
               <a:rPr lang="en"/>
-              <a:t>Example: 39.234                     				   </a:t>
+              <a:t>Example: - 39.234                     				   </a:t>
             </a:r>
             <a:r>
               <a:rPr lang="en"/>
@@ -26217,7 +26469,7 @@
       </p:sp>
       <p:sp>
         <p:nvSpPr>
-          <p:cNvPr id="152" name="Google Shape;152;p21"/>
+          <p:cNvPr id="153" name="Google Shape;153;p21"/>
           <p:cNvSpPr txBox="1"/>
           <p:nvPr>
             <p:ph idx="2" type="body"/>
@@ -26249,7 +26501,7 @@
             </a:pPr>
             <a:r>
               <a:rPr lang="en"/>
-              <a:t>max = 10 ** |234| == 1000</a:t>
+              <a:t>max = 10 ** |234| == 1,000</a:t>
             </a:r>
             <a:br>
               <a:rPr lang="en"/>
@@ -26263,49 +26515,49 @@
             </a:br>
             <a:r>
               <a:rPr lang="en"/>
-              <a:t>    	number = 234 * 2 = 468</a:t>
+              <a:t>    	number = 234 * 2 = 0,468</a:t>
             </a:r>
             <a:br>
               <a:rPr lang="en"/>
             </a:br>
             <a:r>
               <a:rPr lang="en"/>
-              <a:t>    	number = 468 * 2 = 936</a:t>
+              <a:t>    	number = 468 * 2 = 0,936</a:t>
             </a:r>
             <a:br>
               <a:rPr lang="en"/>
             </a:br>
             <a:r>
               <a:rPr lang="en"/>
-              <a:t>	number = 936 * 2 = 1872 - 1000 = 872</a:t>
+              <a:t>	number = 936 * 2 = 1,872 - 1000 = 872</a:t>
             </a:r>
             <a:br>
               <a:rPr lang="en"/>
             </a:br>
             <a:r>
               <a:rPr lang="en"/>
-              <a:t>	number = 872 * 2 = 1744 - 1000 = 744</a:t>
+              <a:t>	number = 872 * 2 = 1,744 - 1000 = 744</a:t>
             </a:r>
             <a:br>
               <a:rPr lang="en"/>
             </a:br>
             <a:r>
               <a:rPr lang="en"/>
-              <a:t>	number = 744 * 2 = 1488 - 1000  = 488</a:t>
+              <a:t>	number = 744 * 2 = 1,488 - 1000  = 488</a:t>
             </a:r>
             <a:br>
               <a:rPr lang="en"/>
             </a:br>
             <a:r>
               <a:rPr lang="en"/>
-              <a:t>	number = 488 * 2 = 976</a:t>
+              <a:t>	number = 488 * 2 = 0,976</a:t>
             </a:r>
             <a:br>
               <a:rPr lang="en"/>
             </a:br>
             <a:r>
               <a:rPr lang="en"/>
-              <a:t>	number = 976 * 2 = 1952 - 1000 = 952</a:t>
+              <a:t>	number = 976 * 2 = 1,952 - 1000 = 952</a:t>
             </a:r>
             <a:endParaRPr/>
           </a:p>
@@ -26313,7 +26565,7 @@
       </p:sp>
       <p:sp>
         <p:nvSpPr>
-          <p:cNvPr id="153" name="Google Shape;153;p21"/>
+          <p:cNvPr id="154" name="Google Shape;154;p21"/>
           <p:cNvSpPr txBox="1"/>
           <p:nvPr/>
         </p:nvSpPr>
@@ -26357,11 +26609,7 @@
               <a:buNone/>
             </a:pPr>
             <a:r>
-              <a:rPr lang="en">
-                <a:solidFill>
-                  <a:schemeClr val="dk1"/>
-                </a:solidFill>
-              </a:rPr>
+              <a:rPr lang="en"/>
               <a:t>0011101</a:t>
             </a:r>
             <a:endParaRPr/>
@@ -26370,7 +26618,7 @@
       </p:sp>
       <p:sp>
         <p:nvSpPr>
-          <p:cNvPr id="154" name="Google Shape;154;p21"/>
+          <p:cNvPr id="155" name="Google Shape;155;p21"/>
           <p:cNvSpPr txBox="1"/>
           <p:nvPr/>
         </p:nvSpPr>
@@ -26418,7 +26666,7 @@
       </p:sp>
       <p:sp>
         <p:nvSpPr>
-          <p:cNvPr id="155" name="Google Shape;155;p21"/>
+          <p:cNvPr id="156" name="Google Shape;156;p21"/>
           <p:cNvSpPr txBox="1"/>
           <p:nvPr>
             <p:ph idx="2" type="body"/>
@@ -26692,7 +26940,7 @@
       </p:sp>
       <p:cxnSp>
         <p:nvCxnSpPr>
-          <p:cNvPr id="156" name="Google Shape;156;p21"/>
+          <p:cNvPr id="157" name="Google Shape;157;p21"/>
           <p:cNvCxnSpPr/>
           <p:nvPr/>
         </p:nvCxnSpPr>
@@ -26725,6 +26973,285 @@
 </file>
 
 <file path=ppt/theme/theme1.xml><?xml version="1.0" encoding="utf-8"?>
+<a:theme xmlns:a="http://schemas.openxmlformats.org/drawingml/2006/main" xmlns:r="http://schemas.openxmlformats.org/officeDocument/2006/relationships" name="Simple Light">
+  <a:themeElements>
+    <a:clrScheme name="Simple Light">
+      <a:dk1>
+        <a:srgbClr val="000000"/>
+      </a:dk1>
+      <a:lt1>
+        <a:srgbClr val="FFFFFF"/>
+      </a:lt1>
+      <a:dk2>
+        <a:srgbClr val="595959"/>
+      </a:dk2>
+      <a:lt2>
+        <a:srgbClr val="EEEEEE"/>
+      </a:lt2>
+      <a:accent1>
+        <a:srgbClr val="4285F4"/>
+      </a:accent1>
+      <a:accent2>
+        <a:srgbClr val="212121"/>
+      </a:accent2>
+      <a:accent3>
+        <a:srgbClr val="78909C"/>
+      </a:accent3>
+      <a:accent4>
+        <a:srgbClr val="FFAB40"/>
+      </a:accent4>
+      <a:accent5>
+        <a:srgbClr val="0097A7"/>
+      </a:accent5>
+      <a:accent6>
+        <a:srgbClr val="EEFF41"/>
+      </a:accent6>
+      <a:hlink>
+        <a:srgbClr val="0097A7"/>
+      </a:hlink>
+      <a:folHlink>
+        <a:srgbClr val="0097A7"/>
+      </a:folHlink>
+    </a:clrScheme>
+    <a:fontScheme name="Office">
+      <a:majorFont>
+        <a:latin typeface="Arial"/>
+        <a:ea typeface=""/>
+        <a:cs typeface=""/>
+        <a:font script="Jpan" typeface="ＭＳ Ｐゴシック"/>
+        <a:font script="Hang" typeface="맑은 고딕"/>
+        <a:font script="Hans" typeface="宋体"/>
+        <a:font script="Hant" typeface="新細明體"/>
+        <a:font script="Arab" typeface="Times New Roman"/>
+        <a:font script="Hebr" typeface="Times New Roman"/>
+        <a:font script="Thai" typeface="Angsana New"/>
+        <a:font script="Ethi" typeface="Nyala"/>
+        <a:font script="Beng" typeface="Vrinda"/>
+        <a:font script="Gujr" typeface="Shruti"/>
+        <a:font script="Khmr" typeface="MoolBoran"/>
+        <a:font script="Knda" typeface="Tunga"/>
+        <a:font script="Guru" typeface="Raavi"/>
+        <a:font script="Cans" typeface="Euphemia"/>
+        <a:font script="Cher" typeface="Plantagenet Cherokee"/>
+        <a:font script="Yiii" typeface="Microsoft Yi Baiti"/>
+        <a:font script="Tibt" typeface="Microsoft Himalaya"/>
+        <a:font script="Thaa" typeface="MV Boli"/>
+        <a:font script="Deva" typeface="Mangal"/>
+        <a:font script="Telu" typeface="Gautami"/>
+        <a:font script="Taml" typeface="Latha"/>
+        <a:font script="Syrc" typeface="Estrangelo Edessa"/>
+        <a:font script="Orya" typeface="Kalinga"/>
+        <a:font script="Mlym" typeface="Kartika"/>
+        <a:font script="Laoo" typeface="DokChampa"/>
+        <a:font script="Sinh" typeface="Iskoola Pota"/>
+        <a:font script="Mong" typeface="Mongolian Baiti"/>
+        <a:font script="Viet" typeface="Times New Roman"/>
+        <a:font script="Uigh" typeface="Microsoft Uighur"/>
+        <a:font script="Geor" typeface="Sylfaen"/>
+      </a:majorFont>
+      <a:minorFont>
+        <a:latin typeface="Arial"/>
+        <a:ea typeface=""/>
+        <a:cs typeface=""/>
+        <a:font script="Jpan" typeface="ＭＳ Ｐゴシック"/>
+        <a:font script="Hang" typeface="맑은 고딕"/>
+        <a:font script="Hans" typeface="宋体"/>
+        <a:font script="Hant" typeface="新細明體"/>
+        <a:font script="Arab" typeface="Arial"/>
+        <a:font script="Hebr" typeface="Arial"/>
+        <a:font script="Thai" typeface="Cordia New"/>
+        <a:font script="Ethi" typeface="Nyala"/>
+        <a:font script="Beng" typeface="Vrinda"/>
+        <a:font script="Gujr" typeface="Shruti"/>
+        <a:font script="Khmr" typeface="DaunPenh"/>
+        <a:font script="Knda" typeface="Tunga"/>
+        <a:font script="Guru" typeface="Raavi"/>
+        <a:font script="Cans" typeface="Euphemia"/>
+        <a:font script="Cher" typeface="Plantagenet Cherokee"/>
+        <a:font script="Yiii" typeface="Microsoft Yi Baiti"/>
+        <a:font script="Tibt" typeface="Microsoft Himalaya"/>
+        <a:font script="Thaa" typeface="MV Boli"/>
+        <a:font script="Deva" typeface="Mangal"/>
+        <a:font script="Telu" typeface="Gautami"/>
+        <a:font script="Taml" typeface="Latha"/>
+        <a:font script="Syrc" typeface="Estrangelo Edessa"/>
+        <a:font script="Orya" typeface="Kalinga"/>
+        <a:font script="Mlym" typeface="Kartika"/>
+        <a:font script="Laoo" typeface="DokChampa"/>
+        <a:font script="Sinh" typeface="Iskoola Pota"/>
+        <a:font script="Mong" typeface="Mongolian Baiti"/>
+        <a:font script="Viet" typeface="Arial"/>
+        <a:font script="Uigh" typeface="Microsoft Uighur"/>
+        <a:font script="Geor" typeface="Sylfaen"/>
+      </a:minorFont>
+    </a:fontScheme>
+    <a:fmtScheme name="Office">
+      <a:fillStyleLst>
+        <a:solidFill>
+          <a:schemeClr val="phClr"/>
+        </a:solidFill>
+        <a:gradFill rotWithShape="1">
+          <a:gsLst>
+            <a:gs pos="0">
+              <a:schemeClr val="phClr">
+                <a:tint val="50000"/>
+                <a:satMod val="300000"/>
+              </a:schemeClr>
+            </a:gs>
+            <a:gs pos="35000">
+              <a:schemeClr val="phClr">
+                <a:tint val="37000"/>
+                <a:satMod val="300000"/>
+              </a:schemeClr>
+            </a:gs>
+            <a:gs pos="100000">
+              <a:schemeClr val="phClr">
+                <a:tint val="15000"/>
+                <a:satMod val="350000"/>
+              </a:schemeClr>
+            </a:gs>
+          </a:gsLst>
+          <a:lin ang="16200000" scaled="1"/>
+        </a:gradFill>
+        <a:gradFill rotWithShape="1">
+          <a:gsLst>
+            <a:gs pos="0">
+              <a:schemeClr val="phClr">
+                <a:tint val="100000"/>
+                <a:shade val="100000"/>
+                <a:satMod val="130000"/>
+              </a:schemeClr>
+            </a:gs>
+            <a:gs pos="100000">
+              <a:schemeClr val="phClr">
+                <a:tint val="50000"/>
+                <a:shade val="100000"/>
+                <a:satMod val="350000"/>
+              </a:schemeClr>
+            </a:gs>
+          </a:gsLst>
+          <a:lin ang="16200000" scaled="0"/>
+        </a:gradFill>
+      </a:fillStyleLst>
+      <a:lnStyleLst>
+        <a:ln w="9525" cap="flat" cmpd="sng" algn="ctr">
+          <a:solidFill>
+            <a:schemeClr val="phClr">
+              <a:shade val="95000"/>
+              <a:satMod val="105000"/>
+            </a:schemeClr>
+          </a:solidFill>
+          <a:prstDash val="solid"/>
+        </a:ln>
+        <a:ln w="25400" cap="flat" cmpd="sng" algn="ctr">
+          <a:solidFill>
+            <a:schemeClr val="phClr"/>
+          </a:solidFill>
+          <a:prstDash val="solid"/>
+        </a:ln>
+        <a:ln w="38100" cap="flat" cmpd="sng" algn="ctr">
+          <a:solidFill>
+            <a:schemeClr val="phClr"/>
+          </a:solidFill>
+          <a:prstDash val="solid"/>
+        </a:ln>
+      </a:lnStyleLst>
+      <a:effectStyleLst>
+        <a:effectStyle>
+          <a:effectLst>
+            <a:outerShdw blurRad="40000" dist="20000" dir="5400000" rotWithShape="0">
+              <a:srgbClr val="000000">
+                <a:alpha val="38000"/>
+              </a:srgbClr>
+            </a:outerShdw>
+          </a:effectLst>
+        </a:effectStyle>
+        <a:effectStyle>
+          <a:effectLst>
+            <a:outerShdw blurRad="40000" dist="23000" dir="5400000" rotWithShape="0">
+              <a:srgbClr val="000000">
+                <a:alpha val="35000"/>
+              </a:srgbClr>
+            </a:outerShdw>
+          </a:effectLst>
+        </a:effectStyle>
+        <a:effectStyle>
+          <a:effectLst>
+            <a:outerShdw blurRad="40000" dist="23000" dir="5400000" rotWithShape="0">
+              <a:srgbClr val="000000">
+                <a:alpha val="35000"/>
+              </a:srgbClr>
+            </a:outerShdw>
+          </a:effectLst>
+          <a:scene3d>
+            <a:camera prst="orthographicFront">
+              <a:rot lat="0" lon="0" rev="0"/>
+            </a:camera>
+            <a:lightRig rig="threePt" dir="t">
+              <a:rot lat="0" lon="0" rev="1200000"/>
+            </a:lightRig>
+          </a:scene3d>
+          <a:sp3d>
+            <a:bevelT w="63500" h="25400"/>
+          </a:sp3d>
+        </a:effectStyle>
+      </a:effectStyleLst>
+      <a:bgFillStyleLst>
+        <a:solidFill>
+          <a:schemeClr val="phClr"/>
+        </a:solidFill>
+        <a:gradFill rotWithShape="1">
+          <a:gsLst>
+            <a:gs pos="0">
+              <a:schemeClr val="phClr">
+                <a:tint val="40000"/>
+                <a:satMod val="350000"/>
+              </a:schemeClr>
+            </a:gs>
+            <a:gs pos="40000">
+              <a:schemeClr val="phClr">
+                <a:tint val="45000"/>
+                <a:shade val="99000"/>
+                <a:satMod val="350000"/>
+              </a:schemeClr>
+            </a:gs>
+            <a:gs pos="100000">
+              <a:schemeClr val="phClr">
+                <a:shade val="20000"/>
+                <a:satMod val="255000"/>
+              </a:schemeClr>
+            </a:gs>
+          </a:gsLst>
+          <a:path path="circle">
+            <a:fillToRect l="50000" t="-80000" r="50000" b="180000"/>
+          </a:path>
+        </a:gradFill>
+        <a:gradFill rotWithShape="1">
+          <a:gsLst>
+            <a:gs pos="0">
+              <a:schemeClr val="phClr">
+                <a:tint val="80000"/>
+                <a:satMod val="300000"/>
+              </a:schemeClr>
+            </a:gs>
+            <a:gs pos="100000">
+              <a:schemeClr val="phClr">
+                <a:shade val="30000"/>
+                <a:satMod val="200000"/>
+              </a:schemeClr>
+            </a:gs>
+          </a:gsLst>
+          <a:path path="circle">
+            <a:fillToRect l="50000" t="50000" r="50000" b="50000"/>
+          </a:path>
+        </a:gradFill>
+      </a:bgFillStyleLst>
+    </a:fmtScheme>
+  </a:themeElements>
+</a:theme>
+</file>
+
+<file path=ppt/theme/theme2.xml><?xml version="1.0" encoding="utf-8"?>
 <a:theme xmlns:a="http://schemas.openxmlformats.org/drawingml/2006/main" xmlns:r="http://schemas.openxmlformats.org/officeDocument/2006/relationships">
   <a:themeElements>
     <a:clrScheme name="Default">
@@ -27001,283 +27528,4 @@
     </a:fmtScheme>
   </a:themeElements>
 </a:theme>
-</file>
-
-<file path=ppt/theme/theme2.xml><?xml version="1.0" encoding="utf-8"?>
-<a:theme xmlns:a="http://schemas.openxmlformats.org/drawingml/2006/main" xmlns:r="http://schemas.openxmlformats.org/officeDocument/2006/relationships" name="Simple Light">
-  <a:themeElements>
-    <a:clrScheme name="Simple Light">
-      <a:dk1>
-        <a:srgbClr val="000000"/>
-      </a:dk1>
-      <a:lt1>
-        <a:srgbClr val="FFFFFF"/>
-      </a:lt1>
-      <a:dk2>
-        <a:srgbClr val="595959"/>
-      </a:dk2>
-      <a:lt2>
-        <a:srgbClr val="EEEEEE"/>
-      </a:lt2>
-      <a:accent1>
-        <a:srgbClr val="4285F4"/>
-      </a:accent1>
-      <a:accent2>
-        <a:srgbClr val="212121"/>
-      </a:accent2>
-      <a:accent3>
-        <a:srgbClr val="78909C"/>
-      </a:accent3>
-      <a:accent4>
-        <a:srgbClr val="FFAB40"/>
-      </a:accent4>
-      <a:accent5>
-        <a:srgbClr val="0097A7"/>
-      </a:accent5>
-      <a:accent6>
-        <a:srgbClr val="EEFF41"/>
-      </a:accent6>
-      <a:hlink>
-        <a:srgbClr val="0097A7"/>
-      </a:hlink>
-      <a:folHlink>
-        <a:srgbClr val="0097A7"/>
-      </a:folHlink>
-    </a:clrScheme>
-    <a:fontScheme name="Office">
-      <a:majorFont>
-        <a:latin typeface="Arial"/>
-        <a:ea typeface=""/>
-        <a:cs typeface=""/>
-        <a:font script="Jpan" typeface="ＭＳ Ｐゴシック"/>
-        <a:font script="Hang" typeface="맑은 고딕"/>
-        <a:font script="Hans" typeface="宋体"/>
-        <a:font script="Hant" typeface="新細明體"/>
-        <a:font script="Arab" typeface="Times New Roman"/>
-        <a:font script="Hebr" typeface="Times New Roman"/>
-        <a:font script="Thai" typeface="Angsana New"/>
-        <a:font script="Ethi" typeface="Nyala"/>
-        <a:font script="Beng" typeface="Vrinda"/>
-        <a:font script="Gujr" typeface="Shruti"/>
-        <a:font script="Khmr" typeface="MoolBoran"/>
-        <a:font script="Knda" typeface="Tunga"/>
-        <a:font script="Guru" typeface="Raavi"/>
-        <a:font script="Cans" typeface="Euphemia"/>
-        <a:font script="Cher" typeface="Plantagenet Cherokee"/>
-        <a:font script="Yiii" typeface="Microsoft Yi Baiti"/>
-        <a:font script="Tibt" typeface="Microsoft Himalaya"/>
-        <a:font script="Thaa" typeface="MV Boli"/>
-        <a:font script="Deva" typeface="Mangal"/>
-        <a:font script="Telu" typeface="Gautami"/>
-        <a:font script="Taml" typeface="Latha"/>
-        <a:font script="Syrc" typeface="Estrangelo Edessa"/>
-        <a:font script="Orya" typeface="Kalinga"/>
-        <a:font script="Mlym" typeface="Kartika"/>
-        <a:font script="Laoo" typeface="DokChampa"/>
-        <a:font script="Sinh" typeface="Iskoola Pota"/>
-        <a:font script="Mong" typeface="Mongolian Baiti"/>
-        <a:font script="Viet" typeface="Times New Roman"/>
-        <a:font script="Uigh" typeface="Microsoft Uighur"/>
-        <a:font script="Geor" typeface="Sylfaen"/>
-      </a:majorFont>
-      <a:minorFont>
-        <a:latin typeface="Arial"/>
-        <a:ea typeface=""/>
-        <a:cs typeface=""/>
-        <a:font script="Jpan" typeface="ＭＳ Ｐゴシック"/>
-        <a:font script="Hang" typeface="맑은 고딕"/>
-        <a:font script="Hans" typeface="宋体"/>
-        <a:font script="Hant" typeface="新細明體"/>
-        <a:font script="Arab" typeface="Arial"/>
-        <a:font script="Hebr" typeface="Arial"/>
-        <a:font script="Thai" typeface="Cordia New"/>
-        <a:font script="Ethi" typeface="Nyala"/>
-        <a:font script="Beng" typeface="Vrinda"/>
-        <a:font script="Gujr" typeface="Shruti"/>
-        <a:font script="Khmr" typeface="DaunPenh"/>
-        <a:font script="Knda" typeface="Tunga"/>
-        <a:font script="Guru" typeface="Raavi"/>
-        <a:font script="Cans" typeface="Euphemia"/>
-        <a:font script="Cher" typeface="Plantagenet Cherokee"/>
-        <a:font script="Yiii" typeface="Microsoft Yi Baiti"/>
-        <a:font script="Tibt" typeface="Microsoft Himalaya"/>
-        <a:font script="Thaa" typeface="MV Boli"/>
-        <a:font script="Deva" typeface="Mangal"/>
-        <a:font script="Telu" typeface="Gautami"/>
-        <a:font script="Taml" typeface="Latha"/>
-        <a:font script="Syrc" typeface="Estrangelo Edessa"/>
-        <a:font script="Orya" typeface="Kalinga"/>
-        <a:font script="Mlym" typeface="Kartika"/>
-        <a:font script="Laoo" typeface="DokChampa"/>
-        <a:font script="Sinh" typeface="Iskoola Pota"/>
-        <a:font script="Mong" typeface="Mongolian Baiti"/>
-        <a:font script="Viet" typeface="Arial"/>
-        <a:font script="Uigh" typeface="Microsoft Uighur"/>
-        <a:font script="Geor" typeface="Sylfaen"/>
-      </a:minorFont>
-    </a:fontScheme>
-    <a:fmtScheme name="Office">
-      <a:fillStyleLst>
-        <a:solidFill>
-          <a:schemeClr val="phClr"/>
-        </a:solidFill>
-        <a:gradFill rotWithShape="1">
-          <a:gsLst>
-            <a:gs pos="0">
-              <a:schemeClr val="phClr">
-                <a:tint val="50000"/>
-                <a:satMod val="300000"/>
-              </a:schemeClr>
-            </a:gs>
-            <a:gs pos="35000">
-              <a:schemeClr val="phClr">
-                <a:tint val="37000"/>
-                <a:satMod val="300000"/>
-              </a:schemeClr>
-            </a:gs>
-            <a:gs pos="100000">
-              <a:schemeClr val="phClr">
-                <a:tint val="15000"/>
-                <a:satMod val="350000"/>
-              </a:schemeClr>
-            </a:gs>
-          </a:gsLst>
-          <a:lin ang="16200000" scaled="1"/>
-        </a:gradFill>
-        <a:gradFill rotWithShape="1">
-          <a:gsLst>
-            <a:gs pos="0">
-              <a:schemeClr val="phClr">
-                <a:tint val="100000"/>
-                <a:shade val="100000"/>
-                <a:satMod val="130000"/>
-              </a:schemeClr>
-            </a:gs>
-            <a:gs pos="100000">
-              <a:schemeClr val="phClr">
-                <a:tint val="50000"/>
-                <a:shade val="100000"/>
-                <a:satMod val="350000"/>
-              </a:schemeClr>
-            </a:gs>
-          </a:gsLst>
-          <a:lin ang="16200000" scaled="0"/>
-        </a:gradFill>
-      </a:fillStyleLst>
-      <a:lnStyleLst>
-        <a:ln w="9525" cap="flat" cmpd="sng" algn="ctr">
-          <a:solidFill>
-            <a:schemeClr val="phClr">
-              <a:shade val="95000"/>
-              <a:satMod val="105000"/>
-            </a:schemeClr>
-          </a:solidFill>
-          <a:prstDash val="solid"/>
-        </a:ln>
-        <a:ln w="25400" cap="flat" cmpd="sng" algn="ctr">
-          <a:solidFill>
-            <a:schemeClr val="phClr"/>
-          </a:solidFill>
-          <a:prstDash val="solid"/>
-        </a:ln>
-        <a:ln w="38100" cap="flat" cmpd="sng" algn="ctr">
-          <a:solidFill>
-            <a:schemeClr val="phClr"/>
-          </a:solidFill>
-          <a:prstDash val="solid"/>
-        </a:ln>
-      </a:lnStyleLst>
-      <a:effectStyleLst>
-        <a:effectStyle>
-          <a:effectLst>
-            <a:outerShdw blurRad="40000" dist="20000" dir="5400000" rotWithShape="0">
-              <a:srgbClr val="000000">
-                <a:alpha val="38000"/>
-              </a:srgbClr>
-            </a:outerShdw>
-          </a:effectLst>
-        </a:effectStyle>
-        <a:effectStyle>
-          <a:effectLst>
-            <a:outerShdw blurRad="40000" dist="23000" dir="5400000" rotWithShape="0">
-              <a:srgbClr val="000000">
-                <a:alpha val="35000"/>
-              </a:srgbClr>
-            </a:outerShdw>
-          </a:effectLst>
-        </a:effectStyle>
-        <a:effectStyle>
-          <a:effectLst>
-            <a:outerShdw blurRad="40000" dist="23000" dir="5400000" rotWithShape="0">
-              <a:srgbClr val="000000">
-                <a:alpha val="35000"/>
-              </a:srgbClr>
-            </a:outerShdw>
-          </a:effectLst>
-          <a:scene3d>
-            <a:camera prst="orthographicFront">
-              <a:rot lat="0" lon="0" rev="0"/>
-            </a:camera>
-            <a:lightRig rig="threePt" dir="t">
-              <a:rot lat="0" lon="0" rev="1200000"/>
-            </a:lightRig>
-          </a:scene3d>
-          <a:sp3d>
-            <a:bevelT w="63500" h="25400"/>
-          </a:sp3d>
-        </a:effectStyle>
-      </a:effectStyleLst>
-      <a:bgFillStyleLst>
-        <a:solidFill>
-          <a:schemeClr val="phClr"/>
-        </a:solidFill>
-        <a:gradFill rotWithShape="1">
-          <a:gsLst>
-            <a:gs pos="0">
-              <a:schemeClr val="phClr">
-                <a:tint val="40000"/>
-                <a:satMod val="350000"/>
-              </a:schemeClr>
-            </a:gs>
-            <a:gs pos="40000">
-              <a:schemeClr val="phClr">
-                <a:tint val="45000"/>
-                <a:shade val="99000"/>
-                <a:satMod val="350000"/>
-              </a:schemeClr>
-            </a:gs>
-            <a:gs pos="100000">
-              <a:schemeClr val="phClr">
-                <a:shade val="20000"/>
-                <a:satMod val="255000"/>
-              </a:schemeClr>
-            </a:gs>
-          </a:gsLst>
-          <a:path path="circle">
-            <a:fillToRect l="50000" t="-80000" r="50000" b="180000"/>
-          </a:path>
-        </a:gradFill>
-        <a:gradFill rotWithShape="1">
-          <a:gsLst>
-            <a:gs pos="0">
-              <a:schemeClr val="phClr">
-                <a:tint val="80000"/>
-                <a:satMod val="300000"/>
-              </a:schemeClr>
-            </a:gs>
-            <a:gs pos="100000">
-              <a:schemeClr val="phClr">
-                <a:shade val="30000"/>
-                <a:satMod val="200000"/>
-              </a:schemeClr>
-            </a:gs>
-          </a:gsLst>
-          <a:path path="circle">
-            <a:fillToRect l="50000" t="50000" r="50000" b="50000"/>
-          </a:path>
-        </a:gradFill>
-      </a:bgFillStyleLst>
-    </a:fmtScheme>
-  </a:themeElements>
-</a:theme>
 </file>